--- a/Kotlin.pptx
+++ b/Kotlin.pptx
@@ -1,11 +1,11 @@
 
 <file path=ppt/presentation.xml><?xml version="1.0" encoding="utf-8"?>
-<p:presentation xmlns:a="http://schemas.openxmlformats.org/drawingml/2006/main" xmlns:r="http://schemas.openxmlformats.org/officeDocument/2006/relationships" xmlns:p="http://schemas.openxmlformats.org/presentationml/2006/main" saveSubsetFonts="1">
+<p:presentation xmlns:a="http://schemas.openxmlformats.org/drawingml/2006/main" xmlns:r="http://schemas.openxmlformats.org/officeDocument/2006/relationships" xmlns:p="http://schemas.openxmlformats.org/presentationml/2006/main">
   <p:sldMasterIdLst>
-    <p:sldMasterId id="2147483695" r:id="rId1"/>
+    <p:sldMasterId id="2147483648" r:id="rId1"/>
   </p:sldMasterIdLst>
   <p:notesMasterIdLst>
-    <p:notesMasterId r:id="rId14"/>
+    <p:notesMasterId r:id="rId16"/>
   </p:notesMasterIdLst>
   <p:sldIdLst>
     <p:sldId id="256" r:id="rId2"/>
@@ -16,10 +16,12 @@
     <p:sldId id="270" r:id="rId7"/>
     <p:sldId id="276" r:id="rId8"/>
     <p:sldId id="274" r:id="rId9"/>
-    <p:sldId id="275" r:id="rId10"/>
-    <p:sldId id="271" r:id="rId11"/>
-    <p:sldId id="272" r:id="rId12"/>
-    <p:sldId id="273" r:id="rId13"/>
+    <p:sldId id="271" r:id="rId10"/>
+    <p:sldId id="272" r:id="rId11"/>
+    <p:sldId id="277" r:id="rId12"/>
+    <p:sldId id="278" r:id="rId13"/>
+    <p:sldId id="279" r:id="rId14"/>
+    <p:sldId id="273" r:id="rId15"/>
   </p:sldIdLst>
   <p:sldSz cx="12192000" cy="6858000"/>
   <p:notesSz cx="6858000" cy="9144000"/>
@@ -208,7 +210,7 @@
           <a:p>
             <a:fld id="{5FA69680-891A-4234-94BE-6C897534D0F5}" type="datetimeFigureOut">
               <a:rPr lang="pt-BR" smtClean="0"/>
-              <a:t>28/10/2019</a:t>
+              <a:t>30/10/2019</a:t>
             </a:fld>
             <a:endParaRPr lang="pt-BR"/>
           </a:p>
@@ -373,11 +375,6 @@
         </p:txBody>
       </p:sp>
     </p:spTree>
-    <p:extLst>
-      <p:ext uri="{BB962C8B-B14F-4D97-AF65-F5344CB8AC3E}">
-        <p14:creationId xmlns:p14="http://schemas.microsoft.com/office/powerpoint/2010/main" val="1791990337"/>
-      </p:ext>
-    </p:extLst>
   </p:cSld>
   <p:clrMap bg1="lt1" tx1="dk1" bg2="lt2" tx2="dk2" accent1="accent1" accent2="accent2" accent3="accent3" accent4="accent4" accent5="accent5" accent6="accent6" hlink="hlink" folHlink="folHlink"/>
   <p:notesStyle>
@@ -519,30 +516,10 @@
           <a:bodyPr/>
           <a:lstStyle/>
           <a:p>
-            <a:pPr marL="0" marR="0" lvl="0" indent="0" algn="l" defTabSz="914400" rtl="0" eaLnBrk="1" fontAlgn="auto" latinLnBrk="0" hangingPunct="1">
-              <a:lnSpc>
-                <a:spcPct val="100000"/>
-              </a:lnSpc>
-              <a:spcBef>
-                <a:spcPts val="0"/>
-              </a:spcBef>
-              <a:spcAft>
-                <a:spcPts val="0"/>
-              </a:spcAft>
-              <a:buClrTx/>
-              <a:buSzTx/>
-              <a:buFontTx/>
-              <a:buNone/>
-              <a:tabLst/>
-              <a:defRPr/>
-            </a:pPr>
             <a:r>
               <a:rPr lang="pt-BR" dirty="0"/>
-              <a:t>Java JDK</a:t>
-            </a:r>
-          </a:p>
-          <a:p>
-            <a:endParaRPr lang="pt-BR" dirty="0"/>
+              <a:t>Se comunicam de forma transparente com outro sistema.</a:t>
+            </a:r>
           </a:p>
         </p:txBody>
       </p:sp>
@@ -563,7 +540,7 @@
           <a:p>
             <a:fld id="{ED22AD02-7483-4DC7-883C-1294FA9DDDB6}" type="slidenum">
               <a:rPr lang="pt-BR" smtClean="0"/>
-              <a:t>5</a:t>
+              <a:t>3</a:t>
             </a:fld>
             <a:endParaRPr lang="pt-BR"/>
           </a:p>
@@ -572,7 +549,7 @@
     </p:spTree>
     <p:extLst>
       <p:ext uri="{BB962C8B-B14F-4D97-AF65-F5344CB8AC3E}">
-        <p14:creationId xmlns:p14="http://schemas.microsoft.com/office/powerpoint/2010/main" val="2803367141"/>
+        <p14:creationId xmlns:p14="http://schemas.microsoft.com/office/powerpoint/2010/main" val="1944442961"/>
       </p:ext>
     </p:extLst>
   </p:cSld>
@@ -626,10 +603,29 @@
           <a:bodyPr/>
           <a:lstStyle/>
           <a:p>
+            <a:pPr marL="0" marR="0" lvl="0" indent="0" algn="l" defTabSz="914400" rtl="0" eaLnBrk="1" fontAlgn="auto" latinLnBrk="0" hangingPunct="1">
+              <a:lnSpc>
+                <a:spcPct val="100000"/>
+              </a:lnSpc>
+              <a:spcBef>
+                <a:spcPts val="0"/>
+              </a:spcBef>
+              <a:spcAft>
+                <a:spcPts val="0"/>
+              </a:spcAft>
+              <a:buClrTx/>
+              <a:buSzTx/>
+              <a:buFontTx/>
+              <a:buNone/>
+              <a:defRPr/>
+            </a:pPr>
             <a:r>
               <a:rPr lang="pt-BR" dirty="0"/>
-              <a:t>Classes são a descrição de um objeto</a:t>
-            </a:r>
+              <a:t>Java JDK</a:t>
+            </a:r>
+          </a:p>
+          <a:p>
+            <a:endParaRPr lang="pt-BR" dirty="0"/>
           </a:p>
         </p:txBody>
       </p:sp>
@@ -650,18 +646,13 @@
           <a:p>
             <a:fld id="{ED22AD02-7483-4DC7-883C-1294FA9DDDB6}" type="slidenum">
               <a:rPr lang="pt-BR" smtClean="0"/>
-              <a:t>6</a:t>
+              <a:t>5</a:t>
             </a:fld>
             <a:endParaRPr lang="pt-BR"/>
           </a:p>
         </p:txBody>
       </p:sp>
     </p:spTree>
-    <p:extLst>
-      <p:ext uri="{BB962C8B-B14F-4D97-AF65-F5344CB8AC3E}">
-        <p14:creationId xmlns:p14="http://schemas.microsoft.com/office/powerpoint/2010/main" val="853198543"/>
-      </p:ext>
-    </p:extLst>
   </p:cSld>
   <p:clrMapOvr>
     <a:masterClrMapping/>
@@ -714,55 +705,9 @@
           <a:lstStyle/>
           <a:p>
             <a:r>
-              <a:rPr lang="pt-BR" sz="1200" b="0" i="0" kern="1200" dirty="0">
-                <a:solidFill>
-                  <a:schemeClr val="tx1"/>
-                </a:solidFill>
-                <a:effectLst/>
-                <a:latin typeface="+mn-lt"/>
-                <a:ea typeface="+mn-ea"/>
-                <a:cs typeface="+mn-cs"/>
-              </a:rPr>
-              <a:t>1. Para estender uma classe devemos usar o sinal (:) e inicializar o construtor</a:t>
-            </a:r>
-          </a:p>
-          <a:p>
-            <a:r>
-              <a:rPr lang="pt-BR" sz="1200" b="0" i="0" kern="1200" dirty="0">
-                <a:solidFill>
-                  <a:schemeClr val="tx1"/>
-                </a:solidFill>
-                <a:effectLst/>
-                <a:latin typeface="+mn-lt"/>
-                <a:ea typeface="+mn-ea"/>
-                <a:cs typeface="+mn-cs"/>
-              </a:rPr>
-              <a:t>2. Para que uma classe ou função possa ser estendida deve ser marcada como </a:t>
-            </a:r>
-            <a:r>
-              <a:rPr lang="pt-BR" sz="1200" b="0" i="1" kern="1200" dirty="0">
-                <a:solidFill>
-                  <a:schemeClr val="tx1"/>
-                </a:solidFill>
-                <a:effectLst/>
-                <a:latin typeface="+mn-lt"/>
-                <a:ea typeface="+mn-ea"/>
-                <a:cs typeface="+mn-cs"/>
-              </a:rPr>
-              <a:t>open</a:t>
-            </a:r>
-            <a:endParaRPr lang="pt-BR" sz="1200" b="0" i="0" kern="1200" dirty="0">
-              <a:solidFill>
-                <a:schemeClr val="tx1"/>
-              </a:solidFill>
-              <a:effectLst/>
-              <a:latin typeface="+mn-lt"/>
-              <a:ea typeface="+mn-ea"/>
-              <a:cs typeface="+mn-cs"/>
-            </a:endParaRPr>
-          </a:p>
-          <a:p>
-            <a:endParaRPr lang="pt-BR" dirty="0"/>
+              <a:rPr lang="pt-BR" dirty="0"/>
+              <a:t>Classes são a descrição de um objeto</a:t>
+            </a:r>
           </a:p>
         </p:txBody>
       </p:sp>
@@ -783,18 +728,13 @@
           <a:p>
             <a:fld id="{ED22AD02-7483-4DC7-883C-1294FA9DDDB6}" type="slidenum">
               <a:rPr lang="pt-BR" smtClean="0"/>
-              <a:t>8</a:t>
+              <a:t>6</a:t>
             </a:fld>
             <a:endParaRPr lang="pt-BR"/>
           </a:p>
         </p:txBody>
       </p:sp>
     </p:spTree>
-    <p:extLst>
-      <p:ext uri="{BB962C8B-B14F-4D97-AF65-F5344CB8AC3E}">
-        <p14:creationId xmlns:p14="http://schemas.microsoft.com/office/powerpoint/2010/main" val="3131859776"/>
-      </p:ext>
-    </p:extLst>
   </p:cSld>
   <p:clrMapOvr>
     <a:masterClrMapping/>
@@ -846,27 +786,53 @@
           <a:bodyPr/>
           <a:lstStyle/>
           <a:p>
-            <a:pPr marL="0" marR="0" lvl="0" indent="0" algn="l" defTabSz="914400" rtl="0" eaLnBrk="1" fontAlgn="auto" latinLnBrk="0" hangingPunct="1">
-              <a:lnSpc>
-                <a:spcPct val="100000"/>
-              </a:lnSpc>
-              <a:spcBef>
-                <a:spcPts val="0"/>
-              </a:spcBef>
-              <a:spcAft>
-                <a:spcPts val="0"/>
-              </a:spcAft>
-              <a:buClrTx/>
-              <a:buSzTx/>
-              <a:buFontTx/>
-              <a:buNone/>
-              <a:tabLst/>
-              <a:defRPr/>
-            </a:pPr>
-            <a:r>
-              <a:rPr lang="pt-BR" dirty="0"/>
-              <a:t>Encapsulamento é uma forma eficiente de proteger os dados manipulados dentro da classe</a:t>
-            </a:r>
+            <a:r>
+              <a:rPr lang="pt-BR" sz="1200" b="0" i="0" kern="1200" dirty="0">
+                <a:solidFill>
+                  <a:schemeClr val="tx1"/>
+                </a:solidFill>
+                <a:effectLst/>
+                <a:latin typeface="+mn-lt"/>
+                <a:ea typeface="+mn-ea"/>
+                <a:cs typeface="+mn-cs"/>
+              </a:rPr>
+              <a:t>1. Para estender uma classe devemos usar o sinal (:) e inicializar o construtor</a:t>
+            </a:r>
+          </a:p>
+          <a:p>
+            <a:r>
+              <a:rPr lang="pt-BR" sz="1200" b="0" i="0" kern="1200" dirty="0">
+                <a:solidFill>
+                  <a:schemeClr val="tx1"/>
+                </a:solidFill>
+                <a:effectLst/>
+                <a:latin typeface="+mn-lt"/>
+                <a:ea typeface="+mn-ea"/>
+                <a:cs typeface="+mn-cs"/>
+              </a:rPr>
+              <a:t>2. Para que uma classe ou função possa ser estendida deve ser marcada como </a:t>
+            </a:r>
+            <a:r>
+              <a:rPr lang="pt-BR" sz="1200" b="0" i="1" kern="1200" dirty="0">
+                <a:solidFill>
+                  <a:schemeClr val="tx1"/>
+                </a:solidFill>
+                <a:effectLst/>
+                <a:latin typeface="+mn-lt"/>
+                <a:ea typeface="+mn-ea"/>
+                <a:cs typeface="+mn-cs"/>
+              </a:rPr>
+              <a:t>open</a:t>
+            </a:r>
+            <a:endParaRPr lang="pt-BR" sz="1200" b="0" i="0" kern="1200" dirty="0">
+              <a:solidFill>
+                <a:schemeClr val="tx1"/>
+              </a:solidFill>
+              <a:effectLst/>
+              <a:latin typeface="+mn-lt"/>
+              <a:ea typeface="+mn-ea"/>
+              <a:cs typeface="+mn-cs"/>
+            </a:endParaRPr>
           </a:p>
           <a:p>
             <a:endParaRPr lang="pt-BR" dirty="0"/>
@@ -890,18 +856,13 @@
           <a:p>
             <a:fld id="{ED22AD02-7483-4DC7-883C-1294FA9DDDB6}" type="slidenum">
               <a:rPr lang="pt-BR" smtClean="0"/>
-              <a:t>9</a:t>
+              <a:t>8</a:t>
             </a:fld>
             <a:endParaRPr lang="pt-BR"/>
           </a:p>
         </p:txBody>
       </p:sp>
     </p:spTree>
-    <p:extLst>
-      <p:ext uri="{BB962C8B-B14F-4D97-AF65-F5344CB8AC3E}">
-        <p14:creationId xmlns:p14="http://schemas.microsoft.com/office/powerpoint/2010/main" val="3730829336"/>
-      </p:ext>
-    </p:extLst>
   </p:cSld>
   <p:clrMapOvr>
     <a:masterClrMapping/>
@@ -1034,7 +995,222 @@
           <a:p>
             <a:fld id="{ED22AD02-7483-4DC7-883C-1294FA9DDDB6}" type="slidenum">
               <a:rPr lang="pt-BR" smtClean="0"/>
-              <a:t>10</a:t>
+              <a:t>9</a:t>
+            </a:fld>
+            <a:endParaRPr lang="pt-BR"/>
+          </a:p>
+        </p:txBody>
+      </p:sp>
+    </p:spTree>
+  </p:cSld>
+  <p:clrMapOvr>
+    <a:masterClrMapping/>
+  </p:clrMapOvr>
+</p:notes>
+</file>
+
+<file path=ppt/notesSlides/notesSlide6.xml><?xml version="1.0" encoding="utf-8"?>
+<p:notes xmlns:a="http://schemas.openxmlformats.org/drawingml/2006/main" xmlns:r="http://schemas.openxmlformats.org/officeDocument/2006/relationships" xmlns:p="http://schemas.openxmlformats.org/presentationml/2006/main">
+  <p:cSld>
+    <p:spTree>
+      <p:nvGrpSpPr>
+        <p:cNvPr id="1" name=""/>
+        <p:cNvGrpSpPr/>
+        <p:nvPr/>
+      </p:nvGrpSpPr>
+      <p:grpSpPr>
+        <a:xfrm>
+          <a:off x="0" y="0"/>
+          <a:ext cx="0" cy="0"/>
+          <a:chOff x="0" y="0"/>
+          <a:chExt cx="0" cy="0"/>
+        </a:xfrm>
+      </p:grpSpPr>
+      <p:sp>
+        <p:nvSpPr>
+          <p:cNvPr id="2" name="Espaço Reservado para Imagem de Slide 1"/>
+          <p:cNvSpPr>
+            <a:spLocks noGrp="1" noRot="1" noChangeAspect="1"/>
+          </p:cNvSpPr>
+          <p:nvPr>
+            <p:ph type="sldImg"/>
+          </p:nvPr>
+        </p:nvSpPr>
+        <p:spPr/>
+      </p:sp>
+      <p:sp>
+        <p:nvSpPr>
+          <p:cNvPr id="3" name="Espaço Reservado para Anotações 2"/>
+          <p:cNvSpPr>
+            <a:spLocks noGrp="1"/>
+          </p:cNvSpPr>
+          <p:nvPr>
+            <p:ph type="body" idx="1"/>
+          </p:nvPr>
+        </p:nvSpPr>
+        <p:spPr/>
+        <p:txBody>
+          <a:bodyPr/>
+          <a:lstStyle/>
+          <a:p>
+            <a:r>
+              <a:rPr lang="pt-BR" sz="1200" b="1" i="0" kern="1200" dirty="0">
+                <a:solidFill>
+                  <a:schemeClr val="tx1"/>
+                </a:solidFill>
+                <a:effectLst/>
+                <a:latin typeface="+mn-lt"/>
+                <a:ea typeface="+mn-ea"/>
+                <a:cs typeface="+mn-cs"/>
+              </a:rPr>
+              <a:t>Private</a:t>
+            </a:r>
+            <a:r>
+              <a:rPr lang="pt-BR" sz="1200" b="0" i="0" kern="1200" dirty="0">
+                <a:solidFill>
+                  <a:schemeClr val="tx1"/>
+                </a:solidFill>
+                <a:effectLst/>
+                <a:latin typeface="+mn-lt"/>
+                <a:ea typeface="+mn-ea"/>
+                <a:cs typeface="+mn-cs"/>
+              </a:rPr>
+              <a:t>: A única classe que tem acesso ao atributo é a própria classe que o define, ou seja, se uma classe </a:t>
+            </a:r>
+            <a:r>
+              <a:rPr lang="pt-BR" dirty="0"/>
+              <a:t>Pessoa</a:t>
+            </a:r>
+            <a:r>
+              <a:rPr lang="pt-BR" sz="1200" b="0" i="0" kern="1200" dirty="0">
+                <a:solidFill>
+                  <a:schemeClr val="tx1"/>
+                </a:solidFill>
+                <a:effectLst/>
+                <a:latin typeface="+mn-lt"/>
+                <a:ea typeface="+mn-ea"/>
+                <a:cs typeface="+mn-cs"/>
+              </a:rPr>
+              <a:t> declara um atributo privado chamado </a:t>
+            </a:r>
+            <a:r>
+              <a:rPr lang="pt-BR" dirty="0"/>
+              <a:t>nome</a:t>
+            </a:r>
+            <a:r>
+              <a:rPr lang="pt-BR" sz="1200" b="0" i="0" kern="1200" dirty="0">
+                <a:solidFill>
+                  <a:schemeClr val="tx1"/>
+                </a:solidFill>
+                <a:effectLst/>
+                <a:latin typeface="+mn-lt"/>
+                <a:ea typeface="+mn-ea"/>
+                <a:cs typeface="+mn-cs"/>
+              </a:rPr>
+              <a:t>, somente a classe </a:t>
+            </a:r>
+            <a:r>
+              <a:rPr lang="pt-BR" dirty="0"/>
+              <a:t>Pessoa</a:t>
+            </a:r>
+            <a:r>
+              <a:rPr lang="pt-BR" sz="1200" b="0" i="0" kern="1200" dirty="0">
+                <a:solidFill>
+                  <a:schemeClr val="tx1"/>
+                </a:solidFill>
+                <a:effectLst/>
+                <a:latin typeface="+mn-lt"/>
+                <a:ea typeface="+mn-ea"/>
+                <a:cs typeface="+mn-cs"/>
+              </a:rPr>
+              <a:t> terá acesso a ele.</a:t>
+            </a:r>
+          </a:p>
+          <a:p>
+            <a:r>
+              <a:rPr lang="pt-BR" sz="1200" b="1" i="0" kern="1200" dirty="0" err="1">
+                <a:solidFill>
+                  <a:schemeClr val="tx1"/>
+                </a:solidFill>
+                <a:effectLst/>
+                <a:latin typeface="+mn-lt"/>
+                <a:ea typeface="+mn-ea"/>
+                <a:cs typeface="+mn-cs"/>
+              </a:rPr>
+              <a:t>Protected</a:t>
+            </a:r>
+            <a:r>
+              <a:rPr lang="pt-BR" sz="1200" b="0" i="0" kern="1200" dirty="0">
+                <a:solidFill>
+                  <a:schemeClr val="tx1"/>
+                </a:solidFill>
+                <a:effectLst/>
+                <a:latin typeface="+mn-lt"/>
+                <a:ea typeface="+mn-ea"/>
+                <a:cs typeface="+mn-cs"/>
+              </a:rPr>
+              <a:t>: permite acesso às classes filhas, mas proíbe a qualquer outro acesso externo.</a:t>
+            </a:r>
+          </a:p>
+          <a:p>
+            <a:r>
+              <a:rPr lang="pt-BR" sz="1200" b="1" i="0" kern="1200" dirty="0" err="1">
+                <a:solidFill>
+                  <a:schemeClr val="tx1"/>
+                </a:solidFill>
+                <a:effectLst/>
+                <a:latin typeface="+mn-lt"/>
+                <a:ea typeface="+mn-ea"/>
+                <a:cs typeface="+mn-cs"/>
+              </a:rPr>
+              <a:t>Internal</a:t>
+            </a:r>
+            <a:r>
+              <a:rPr lang="pt-BR" sz="1200" b="1" i="0" kern="1200" dirty="0">
+                <a:solidFill>
+                  <a:schemeClr val="tx1"/>
+                </a:solidFill>
+                <a:effectLst/>
+                <a:latin typeface="+mn-lt"/>
+                <a:ea typeface="+mn-ea"/>
+                <a:cs typeface="+mn-cs"/>
+              </a:rPr>
+              <a:t>: </a:t>
+            </a:r>
+            <a:r>
+              <a:rPr lang="pt-BR" sz="1200" b="0" i="0" kern="1200" dirty="0">
+                <a:solidFill>
+                  <a:schemeClr val="tx1"/>
+                </a:solidFill>
+                <a:effectLst/>
+                <a:latin typeface="+mn-lt"/>
+                <a:ea typeface="+mn-ea"/>
+                <a:cs typeface="+mn-cs"/>
+              </a:rPr>
+              <a:t>pode ser acessada no mesmo projeto em que foi desenvolvida</a:t>
+            </a:r>
+            <a:endParaRPr lang="pt-BR" dirty="0"/>
+          </a:p>
+        </p:txBody>
+      </p:sp>
+      <p:sp>
+        <p:nvSpPr>
+          <p:cNvPr id="4" name="Espaço Reservado para Número de Slide 3"/>
+          <p:cNvSpPr>
+            <a:spLocks noGrp="1"/>
+          </p:cNvSpPr>
+          <p:nvPr>
+            <p:ph type="sldNum" sz="quarter" idx="5"/>
+          </p:nvPr>
+        </p:nvSpPr>
+        <p:spPr/>
+        <p:txBody>
+          <a:bodyPr/>
+          <a:lstStyle/>
+          <a:p>
+            <a:fld id="{ED22AD02-7483-4DC7-883C-1294FA9DDDB6}" type="slidenum">
+              <a:rPr lang="pt-BR" smtClean="0"/>
+              <a:t>11</a:t>
             </a:fld>
             <a:endParaRPr lang="pt-BR"/>
           </a:p>
@@ -1043,7 +1219,7 @@
     </p:spTree>
     <p:extLst>
       <p:ext uri="{BB962C8B-B14F-4D97-AF65-F5344CB8AC3E}">
-        <p14:creationId xmlns:p14="http://schemas.microsoft.com/office/powerpoint/2010/main" val="1932175642"/>
+        <p14:creationId xmlns:p14="http://schemas.microsoft.com/office/powerpoint/2010/main" val="1908642121"/>
       </p:ext>
     </p:extLst>
   </p:cSld>
@@ -1607,7 +1783,7 @@
             <a:spLocks noGrp="1"/>
           </p:cNvSpPr>
           <p:nvPr>
-            <p:ph type="ctrTitle"/>
+            <p:ph type="ctrTitle" hasCustomPrompt="1"/>
           </p:nvPr>
         </p:nvSpPr>
         <p:spPr>
@@ -1775,7 +1951,7 @@
           <a:p>
             <a:fld id="{D62EEA48-04E8-484C-87C1-2772327C918D}" type="datetimeFigureOut">
               <a:rPr lang="pt-BR" smtClean="0"/>
-              <a:t>28/10/2019</a:t>
+              <a:t>30/10/2019</a:t>
             </a:fld>
             <a:endParaRPr lang="pt-BR"/>
           </a:p>
@@ -1824,11 +2000,6 @@
         </p:txBody>
       </p:sp>
     </p:spTree>
-    <p:extLst>
-      <p:ext uri="{BB962C8B-B14F-4D97-AF65-F5344CB8AC3E}">
-        <p14:creationId xmlns:p14="http://schemas.microsoft.com/office/powerpoint/2010/main" val="3733705558"/>
-      </p:ext>
-    </p:extLst>
   </p:cSld>
   <p:clrMapOvr>
     <a:masterClrMapping/>
@@ -1860,7 +2031,7 @@
             <a:spLocks noGrp="1"/>
           </p:cNvSpPr>
           <p:nvPr>
-            <p:ph type="title"/>
+            <p:ph type="title" hasCustomPrompt="1"/>
           </p:nvPr>
         </p:nvSpPr>
         <p:spPr>
@@ -1894,7 +2065,7 @@
             <a:spLocks noGrp="1"/>
           </p:cNvSpPr>
           <p:nvPr>
-            <p:ph type="body" idx="1"/>
+            <p:ph type="body" idx="1" hasCustomPrompt="1"/>
           </p:nvPr>
         </p:nvSpPr>
         <p:spPr>
@@ -2026,7 +2197,7 @@
           <a:p>
             <a:fld id="{D62EEA48-04E8-484C-87C1-2772327C918D}" type="datetimeFigureOut">
               <a:rPr lang="pt-BR" smtClean="0"/>
-              <a:t>28/10/2019</a:t>
+              <a:t>30/10/2019</a:t>
             </a:fld>
             <a:endParaRPr lang="pt-BR"/>
           </a:p>
@@ -2075,11 +2246,6 @@
         </p:txBody>
       </p:sp>
     </p:spTree>
-    <p:extLst>
-      <p:ext uri="{BB962C8B-B14F-4D97-AF65-F5344CB8AC3E}">
-        <p14:creationId xmlns:p14="http://schemas.microsoft.com/office/powerpoint/2010/main" val="2554425277"/>
-      </p:ext>
-    </p:extLst>
   </p:cSld>
   <p:clrMapOvr>
     <a:masterClrMapping/>
@@ -2111,7 +2277,7 @@
             <a:spLocks noGrp="1"/>
           </p:cNvSpPr>
           <p:nvPr>
-            <p:ph type="title"/>
+            <p:ph type="title" hasCustomPrompt="1"/>
           </p:nvPr>
         </p:nvSpPr>
         <p:spPr>
@@ -2145,7 +2311,7 @@
             <a:spLocks noGrp="1"/>
           </p:cNvSpPr>
           <p:nvPr>
-            <p:ph type="body" sz="quarter" idx="13"/>
+            <p:ph type="body" sz="quarter" idx="13" hasCustomPrompt="1"/>
           </p:nvPr>
         </p:nvSpPr>
         <p:spPr>
@@ -2208,7 +2374,7 @@
             <a:spLocks noGrp="1"/>
           </p:cNvSpPr>
           <p:nvPr>
-            <p:ph type="body" idx="1"/>
+            <p:ph type="body" idx="1" hasCustomPrompt="1"/>
           </p:nvPr>
         </p:nvSpPr>
         <p:spPr>
@@ -2340,7 +2506,7 @@
           <a:p>
             <a:fld id="{D62EEA48-04E8-484C-87C1-2772327C918D}" type="datetimeFigureOut">
               <a:rPr lang="pt-BR" smtClean="0"/>
-              <a:t>28/10/2019</a:t>
+              <a:t>30/10/2019</a:t>
             </a:fld>
             <a:endParaRPr lang="pt-BR"/>
           </a:p>
@@ -2479,11 +2645,6 @@
         </p:txBody>
       </p:sp>
     </p:spTree>
-    <p:extLst>
-      <p:ext uri="{BB962C8B-B14F-4D97-AF65-F5344CB8AC3E}">
-        <p14:creationId xmlns:p14="http://schemas.microsoft.com/office/powerpoint/2010/main" val="3992661100"/>
-      </p:ext>
-    </p:extLst>
   </p:cSld>
   <p:clrMapOvr>
     <a:masterClrMapping/>
@@ -2515,7 +2676,7 @@
             <a:spLocks noGrp="1"/>
           </p:cNvSpPr>
           <p:nvPr>
-            <p:ph type="title"/>
+            <p:ph type="title" hasCustomPrompt="1"/>
           </p:nvPr>
         </p:nvSpPr>
         <p:spPr>
@@ -2549,7 +2710,7 @@
             <a:spLocks noGrp="1"/>
           </p:cNvSpPr>
           <p:nvPr>
-            <p:ph type="body" idx="1"/>
+            <p:ph type="body" idx="1" hasCustomPrompt="1"/>
           </p:nvPr>
         </p:nvSpPr>
         <p:spPr>
@@ -2681,7 +2842,7 @@
           <a:p>
             <a:fld id="{D62EEA48-04E8-484C-87C1-2772327C918D}" type="datetimeFigureOut">
               <a:rPr lang="pt-BR" smtClean="0"/>
-              <a:t>28/10/2019</a:t>
+              <a:t>30/10/2019</a:t>
             </a:fld>
             <a:endParaRPr lang="pt-BR"/>
           </a:p>
@@ -2730,11 +2891,6 @@
         </p:txBody>
       </p:sp>
     </p:spTree>
-    <p:extLst>
-      <p:ext uri="{BB962C8B-B14F-4D97-AF65-F5344CB8AC3E}">
-        <p14:creationId xmlns:p14="http://schemas.microsoft.com/office/powerpoint/2010/main" val="1715679575"/>
-      </p:ext>
-    </p:extLst>
   </p:cSld>
   <p:clrMapOvr>
     <a:masterClrMapping/>
@@ -2766,7 +2922,7 @@
             <a:spLocks noGrp="1"/>
           </p:cNvSpPr>
           <p:nvPr>
-            <p:ph type="title"/>
+            <p:ph type="title" hasCustomPrompt="1"/>
           </p:nvPr>
         </p:nvSpPr>
         <p:spPr>
@@ -2800,7 +2956,7 @@
             <a:spLocks noGrp="1"/>
           </p:cNvSpPr>
           <p:nvPr>
-            <p:ph type="body" sz="quarter" idx="13"/>
+            <p:ph type="body" sz="quarter" idx="13" hasCustomPrompt="1"/>
           </p:nvPr>
         </p:nvSpPr>
         <p:spPr>
@@ -2863,7 +3019,7 @@
             <a:spLocks noGrp="1"/>
           </p:cNvSpPr>
           <p:nvPr>
-            <p:ph type="body" idx="1"/>
+            <p:ph type="body" idx="1" hasCustomPrompt="1"/>
           </p:nvPr>
         </p:nvSpPr>
         <p:spPr>
@@ -2995,7 +3151,7 @@
           <a:p>
             <a:fld id="{D62EEA48-04E8-484C-87C1-2772327C918D}" type="datetimeFigureOut">
               <a:rPr lang="pt-BR" smtClean="0"/>
-              <a:t>28/10/2019</a:t>
+              <a:t>30/10/2019</a:t>
             </a:fld>
             <a:endParaRPr lang="pt-BR"/>
           </a:p>
@@ -3126,11 +3282,6 @@
         </p:txBody>
       </p:sp>
     </p:spTree>
-    <p:extLst>
-      <p:ext uri="{BB962C8B-B14F-4D97-AF65-F5344CB8AC3E}">
-        <p14:creationId xmlns:p14="http://schemas.microsoft.com/office/powerpoint/2010/main" val="3530692702"/>
-      </p:ext>
-    </p:extLst>
   </p:cSld>
   <p:clrMapOvr>
     <a:masterClrMapping/>
@@ -3162,7 +3313,7 @@
             <a:spLocks noGrp="1"/>
           </p:cNvSpPr>
           <p:nvPr>
-            <p:ph type="title"/>
+            <p:ph type="title" hasCustomPrompt="1"/>
           </p:nvPr>
         </p:nvSpPr>
         <p:spPr>
@@ -3196,7 +3347,7 @@
             <a:spLocks noGrp="1"/>
           </p:cNvSpPr>
           <p:nvPr>
-            <p:ph type="body" sz="quarter" idx="13"/>
+            <p:ph type="body" sz="quarter" idx="13" hasCustomPrompt="1"/>
           </p:nvPr>
         </p:nvSpPr>
         <p:spPr>
@@ -3256,7 +3407,7 @@
             <a:spLocks noGrp="1"/>
           </p:cNvSpPr>
           <p:nvPr>
-            <p:ph type="body" idx="1"/>
+            <p:ph type="body" idx="1" hasCustomPrompt="1"/>
           </p:nvPr>
         </p:nvSpPr>
         <p:spPr>
@@ -3388,7 +3539,7 @@
           <a:p>
             <a:fld id="{D62EEA48-04E8-484C-87C1-2772327C918D}" type="datetimeFigureOut">
               <a:rPr lang="pt-BR" smtClean="0"/>
-              <a:t>28/10/2019</a:t>
+              <a:t>30/10/2019</a:t>
             </a:fld>
             <a:endParaRPr lang="pt-BR"/>
           </a:p>
@@ -3437,11 +3588,6 @@
         </p:txBody>
       </p:sp>
     </p:spTree>
-    <p:extLst>
-      <p:ext uri="{BB962C8B-B14F-4D97-AF65-F5344CB8AC3E}">
-        <p14:creationId xmlns:p14="http://schemas.microsoft.com/office/powerpoint/2010/main" val="4221823782"/>
-      </p:ext>
-    </p:extLst>
   </p:cSld>
   <p:clrMapOvr>
     <a:masterClrMapping/>
@@ -3473,7 +3619,7 @@
             <a:spLocks noGrp="1"/>
           </p:cNvSpPr>
           <p:nvPr>
-            <p:ph type="title"/>
+            <p:ph type="title" hasCustomPrompt="1"/>
           </p:nvPr>
         </p:nvSpPr>
         <p:spPr/>
@@ -3496,7 +3642,7 @@
             <a:spLocks noGrp="1"/>
           </p:cNvSpPr>
           <p:nvPr>
-            <p:ph type="body" orient="vert" idx="1"/>
+            <p:ph type="body" orient="vert" idx="1" hasCustomPrompt="1"/>
           </p:nvPr>
         </p:nvSpPr>
         <p:spPr/>
@@ -3558,7 +3704,7 @@
           <a:p>
             <a:fld id="{D62EEA48-04E8-484C-87C1-2772327C918D}" type="datetimeFigureOut">
               <a:rPr lang="pt-BR" smtClean="0"/>
-              <a:t>28/10/2019</a:t>
+              <a:t>30/10/2019</a:t>
             </a:fld>
             <a:endParaRPr lang="pt-BR"/>
           </a:p>
@@ -3607,11 +3753,6 @@
         </p:txBody>
       </p:sp>
     </p:spTree>
-    <p:extLst>
-      <p:ext uri="{BB962C8B-B14F-4D97-AF65-F5344CB8AC3E}">
-        <p14:creationId xmlns:p14="http://schemas.microsoft.com/office/powerpoint/2010/main" val="4041034077"/>
-      </p:ext>
-    </p:extLst>
   </p:cSld>
   <p:clrMapOvr>
     <a:masterClrMapping/>
@@ -3643,7 +3784,7 @@
             <a:spLocks noGrp="1"/>
           </p:cNvSpPr>
           <p:nvPr>
-            <p:ph type="title" orient="vert"/>
+            <p:ph type="title" orient="vert" hasCustomPrompt="1"/>
           </p:nvPr>
         </p:nvSpPr>
         <p:spPr>
@@ -3671,7 +3812,7 @@
             <a:spLocks noGrp="1"/>
           </p:cNvSpPr>
           <p:nvPr>
-            <p:ph type="body" orient="vert" idx="1"/>
+            <p:ph type="body" orient="vert" idx="1" hasCustomPrompt="1"/>
           </p:nvPr>
         </p:nvSpPr>
         <p:spPr>
@@ -3738,7 +3879,7 @@
           <a:p>
             <a:fld id="{D62EEA48-04E8-484C-87C1-2772327C918D}" type="datetimeFigureOut">
               <a:rPr lang="pt-BR" smtClean="0"/>
-              <a:t>28/10/2019</a:t>
+              <a:t>30/10/2019</a:t>
             </a:fld>
             <a:endParaRPr lang="pt-BR"/>
           </a:p>
@@ -3787,11 +3928,6 @@
         </p:txBody>
       </p:sp>
     </p:spTree>
-    <p:extLst>
-      <p:ext uri="{BB962C8B-B14F-4D97-AF65-F5344CB8AC3E}">
-        <p14:creationId xmlns:p14="http://schemas.microsoft.com/office/powerpoint/2010/main" val="1081338699"/>
-      </p:ext>
-    </p:extLst>
   </p:cSld>
   <p:clrMapOvr>
     <a:masterClrMapping/>
@@ -3823,7 +3959,7 @@
             <a:spLocks noGrp="1"/>
           </p:cNvSpPr>
           <p:nvPr>
-            <p:ph type="title"/>
+            <p:ph type="title" hasCustomPrompt="1"/>
           </p:nvPr>
         </p:nvSpPr>
         <p:spPr/>
@@ -3852,7 +3988,7 @@
             <a:spLocks noGrp="1"/>
           </p:cNvSpPr>
           <p:nvPr>
-            <p:ph idx="1"/>
+            <p:ph idx="1" hasCustomPrompt="1"/>
           </p:nvPr>
         </p:nvSpPr>
         <p:spPr/>
@@ -3914,7 +4050,7 @@
           <a:p>
             <a:fld id="{D62EEA48-04E8-484C-87C1-2772327C918D}" type="datetimeFigureOut">
               <a:rPr lang="pt-BR" smtClean="0"/>
-              <a:t>28/10/2019</a:t>
+              <a:t>30/10/2019</a:t>
             </a:fld>
             <a:endParaRPr lang="pt-BR"/>
           </a:p>
@@ -3963,11 +4099,6 @@
         </p:txBody>
       </p:sp>
     </p:spTree>
-    <p:extLst>
-      <p:ext uri="{BB962C8B-B14F-4D97-AF65-F5344CB8AC3E}">
-        <p14:creationId xmlns:p14="http://schemas.microsoft.com/office/powerpoint/2010/main" val="803471389"/>
-      </p:ext>
-    </p:extLst>
   </p:cSld>
   <p:clrMapOvr>
     <a:masterClrMapping/>
@@ -3999,7 +4130,7 @@
             <a:spLocks noGrp="1"/>
           </p:cNvSpPr>
           <p:nvPr>
-            <p:ph type="title"/>
+            <p:ph type="title" hasCustomPrompt="1"/>
           </p:nvPr>
         </p:nvSpPr>
         <p:spPr>
@@ -4031,7 +4162,7 @@
             <a:spLocks noGrp="1"/>
           </p:cNvSpPr>
           <p:nvPr>
-            <p:ph type="body" idx="1"/>
+            <p:ph type="body" idx="1" hasCustomPrompt="1"/>
           </p:nvPr>
         </p:nvSpPr>
         <p:spPr>
@@ -4161,7 +4292,7 @@
           <a:p>
             <a:fld id="{D62EEA48-04E8-484C-87C1-2772327C918D}" type="datetimeFigureOut">
               <a:rPr lang="pt-BR" smtClean="0"/>
-              <a:t>28/10/2019</a:t>
+              <a:t>30/10/2019</a:t>
             </a:fld>
             <a:endParaRPr lang="pt-BR"/>
           </a:p>
@@ -4210,11 +4341,6 @@
         </p:txBody>
       </p:sp>
     </p:spTree>
-    <p:extLst>
-      <p:ext uri="{BB962C8B-B14F-4D97-AF65-F5344CB8AC3E}">
-        <p14:creationId xmlns:p14="http://schemas.microsoft.com/office/powerpoint/2010/main" val="2840371235"/>
-      </p:ext>
-    </p:extLst>
   </p:cSld>
   <p:clrMapOvr>
     <a:masterClrMapping/>
@@ -4246,7 +4372,7 @@
             <a:spLocks noGrp="1"/>
           </p:cNvSpPr>
           <p:nvPr>
-            <p:ph type="title"/>
+            <p:ph type="title" hasCustomPrompt="1"/>
           </p:nvPr>
         </p:nvSpPr>
         <p:spPr/>
@@ -4269,7 +4395,7 @@
             <a:spLocks noGrp="1"/>
           </p:cNvSpPr>
           <p:nvPr>
-            <p:ph sz="half" idx="1"/>
+            <p:ph sz="half" idx="1" hasCustomPrompt="1"/>
           </p:nvPr>
         </p:nvSpPr>
         <p:spPr>
@@ -4326,7 +4452,7 @@
             <a:spLocks noGrp="1"/>
           </p:cNvSpPr>
           <p:nvPr>
-            <p:ph sz="half" idx="2"/>
+            <p:ph sz="half" idx="2" hasCustomPrompt="1"/>
           </p:nvPr>
         </p:nvSpPr>
         <p:spPr>
@@ -4393,7 +4519,7 @@
           <a:p>
             <a:fld id="{D62EEA48-04E8-484C-87C1-2772327C918D}" type="datetimeFigureOut">
               <a:rPr lang="pt-BR" smtClean="0"/>
-              <a:t>28/10/2019</a:t>
+              <a:t>30/10/2019</a:t>
             </a:fld>
             <a:endParaRPr lang="pt-BR"/>
           </a:p>
@@ -4442,11 +4568,6 @@
         </p:txBody>
       </p:sp>
     </p:spTree>
-    <p:extLst>
-      <p:ext uri="{BB962C8B-B14F-4D97-AF65-F5344CB8AC3E}">
-        <p14:creationId xmlns:p14="http://schemas.microsoft.com/office/powerpoint/2010/main" val="178718341"/>
-      </p:ext>
-    </p:extLst>
   </p:cSld>
   <p:clrMapOvr>
     <a:masterClrMapping/>
@@ -4478,7 +4599,7 @@
             <a:spLocks noGrp="1"/>
           </p:cNvSpPr>
           <p:nvPr>
-            <p:ph type="title"/>
+            <p:ph type="title" hasCustomPrompt="1"/>
           </p:nvPr>
         </p:nvSpPr>
         <p:spPr/>
@@ -4505,7 +4626,7 @@
             <a:spLocks noGrp="1"/>
           </p:cNvSpPr>
           <p:nvPr>
-            <p:ph type="body" idx="1"/>
+            <p:ph type="body" idx="1" hasCustomPrompt="1"/>
           </p:nvPr>
         </p:nvSpPr>
         <p:spPr>
@@ -4572,7 +4693,7 @@
             <a:spLocks noGrp="1"/>
           </p:cNvSpPr>
           <p:nvPr>
-            <p:ph sz="half" idx="2"/>
+            <p:ph sz="half" idx="2" hasCustomPrompt="1"/>
           </p:nvPr>
         </p:nvSpPr>
         <p:spPr>
@@ -4631,7 +4752,7 @@
             <a:spLocks noGrp="1"/>
           </p:cNvSpPr>
           <p:nvPr>
-            <p:ph type="body" sz="quarter" idx="3"/>
+            <p:ph type="body" sz="quarter" idx="3" hasCustomPrompt="1"/>
           </p:nvPr>
         </p:nvSpPr>
         <p:spPr>
@@ -4698,7 +4819,7 @@
             <a:spLocks noGrp="1"/>
           </p:cNvSpPr>
           <p:nvPr>
-            <p:ph sz="quarter" idx="4"/>
+            <p:ph sz="quarter" idx="4" hasCustomPrompt="1"/>
           </p:nvPr>
         </p:nvSpPr>
         <p:spPr>
@@ -4767,7 +4888,7 @@
           <a:p>
             <a:fld id="{D62EEA48-04E8-484C-87C1-2772327C918D}" type="datetimeFigureOut">
               <a:rPr lang="pt-BR" smtClean="0"/>
-              <a:t>28/10/2019</a:t>
+              <a:t>30/10/2019</a:t>
             </a:fld>
             <a:endParaRPr lang="pt-BR"/>
           </a:p>
@@ -4816,11 +4937,6 @@
         </p:txBody>
       </p:sp>
     </p:spTree>
-    <p:extLst>
-      <p:ext uri="{BB962C8B-B14F-4D97-AF65-F5344CB8AC3E}">
-        <p14:creationId xmlns:p14="http://schemas.microsoft.com/office/powerpoint/2010/main" val="3163821759"/>
-      </p:ext>
-    </p:extLst>
   </p:cSld>
   <p:clrMapOvr>
     <a:masterClrMapping/>
@@ -4852,7 +4968,7 @@
             <a:spLocks noGrp="1"/>
           </p:cNvSpPr>
           <p:nvPr>
-            <p:ph type="title"/>
+            <p:ph type="title" hasCustomPrompt="1"/>
           </p:nvPr>
         </p:nvSpPr>
         <p:spPr>
@@ -4890,7 +5006,7 @@
           <a:p>
             <a:fld id="{D62EEA48-04E8-484C-87C1-2772327C918D}" type="datetimeFigureOut">
               <a:rPr lang="pt-BR" smtClean="0"/>
-              <a:t>28/10/2019</a:t>
+              <a:t>30/10/2019</a:t>
             </a:fld>
             <a:endParaRPr lang="pt-BR"/>
           </a:p>
@@ -4939,11 +5055,6 @@
         </p:txBody>
       </p:sp>
     </p:spTree>
-    <p:extLst>
-      <p:ext uri="{BB962C8B-B14F-4D97-AF65-F5344CB8AC3E}">
-        <p14:creationId xmlns:p14="http://schemas.microsoft.com/office/powerpoint/2010/main" val="3153743721"/>
-      </p:ext>
-    </p:extLst>
   </p:cSld>
   <p:clrMapOvr>
     <a:masterClrMapping/>
@@ -4985,7 +5096,7 @@
           <a:p>
             <a:fld id="{D62EEA48-04E8-484C-87C1-2772327C918D}" type="datetimeFigureOut">
               <a:rPr lang="pt-BR" smtClean="0"/>
-              <a:t>28/10/2019</a:t>
+              <a:t>30/10/2019</a:t>
             </a:fld>
             <a:endParaRPr lang="pt-BR"/>
           </a:p>
@@ -5034,11 +5145,6 @@
         </p:txBody>
       </p:sp>
     </p:spTree>
-    <p:extLst>
-      <p:ext uri="{BB962C8B-B14F-4D97-AF65-F5344CB8AC3E}">
-        <p14:creationId xmlns:p14="http://schemas.microsoft.com/office/powerpoint/2010/main" val="640121562"/>
-      </p:ext>
-    </p:extLst>
   </p:cSld>
   <p:clrMapOvr>
     <a:masterClrMapping/>
@@ -5070,7 +5176,7 @@
             <a:spLocks noGrp="1"/>
           </p:cNvSpPr>
           <p:nvPr>
-            <p:ph type="title"/>
+            <p:ph type="title" hasCustomPrompt="1"/>
           </p:nvPr>
         </p:nvSpPr>
         <p:spPr>
@@ -5104,7 +5210,7 @@
             <a:spLocks noGrp="1"/>
           </p:cNvSpPr>
           <p:nvPr>
-            <p:ph idx="1"/>
+            <p:ph idx="1" hasCustomPrompt="1"/>
           </p:nvPr>
         </p:nvSpPr>
         <p:spPr>
@@ -5163,7 +5269,7 @@
             <a:spLocks noGrp="1"/>
           </p:cNvSpPr>
           <p:nvPr>
-            <p:ph type="body" sz="half" idx="2"/>
+            <p:ph type="body" sz="half" idx="2" hasCustomPrompt="1"/>
           </p:nvPr>
         </p:nvSpPr>
         <p:spPr>
@@ -5181,35 +5287,35 @@
               <a:buNone/>
               <a:defRPr sz="1400"/>
             </a:lvl1pPr>
-            <a:lvl2pPr marL="457063" indent="0">
+            <a:lvl2pPr marL="457200" indent="0">
               <a:buNone/>
               <a:defRPr sz="1400"/>
             </a:lvl2pPr>
-            <a:lvl3pPr marL="914126" indent="0">
+            <a:lvl3pPr marL="914400" indent="0">
               <a:buNone/>
               <a:defRPr sz="1200"/>
             </a:lvl3pPr>
-            <a:lvl4pPr marL="1371189" indent="0">
+            <a:lvl4pPr marL="1370965" indent="0">
               <a:buNone/>
               <a:defRPr sz="1000"/>
             </a:lvl4pPr>
-            <a:lvl5pPr marL="1828251" indent="0">
+            <a:lvl5pPr marL="1828165" indent="0">
               <a:buNone/>
               <a:defRPr sz="1000"/>
             </a:lvl5pPr>
-            <a:lvl6pPr marL="2285314" indent="0">
+            <a:lvl6pPr marL="2285365" indent="0">
               <a:buNone/>
               <a:defRPr sz="1000"/>
             </a:lvl6pPr>
-            <a:lvl7pPr marL="2742377" indent="0">
+            <a:lvl7pPr marL="2742565" indent="0">
               <a:buNone/>
               <a:defRPr sz="1000"/>
             </a:lvl7pPr>
-            <a:lvl8pPr marL="3199440" indent="0">
+            <a:lvl8pPr marL="3199130" indent="0">
               <a:buNone/>
               <a:defRPr sz="1000"/>
             </a:lvl8pPr>
-            <a:lvl9pPr marL="3656503" indent="0">
+            <a:lvl9pPr marL="3656330" indent="0">
               <a:buNone/>
               <a:defRPr sz="1000"/>
             </a:lvl9pPr>
@@ -5240,7 +5346,7 @@
           <a:p>
             <a:fld id="{D62EEA48-04E8-484C-87C1-2772327C918D}" type="datetimeFigureOut">
               <a:rPr lang="pt-BR" smtClean="0"/>
-              <a:t>28/10/2019</a:t>
+              <a:t>30/10/2019</a:t>
             </a:fld>
             <a:endParaRPr lang="pt-BR"/>
           </a:p>
@@ -5289,11 +5395,6 @@
         </p:txBody>
       </p:sp>
     </p:spTree>
-    <p:extLst>
-      <p:ext uri="{BB962C8B-B14F-4D97-AF65-F5344CB8AC3E}">
-        <p14:creationId xmlns:p14="http://schemas.microsoft.com/office/powerpoint/2010/main" val="3233117567"/>
-      </p:ext>
-    </p:extLst>
   </p:cSld>
   <p:clrMapOvr>
     <a:masterClrMapping/>
@@ -5325,7 +5426,7 @@
             <a:spLocks noGrp="1"/>
           </p:cNvSpPr>
           <p:nvPr>
-            <p:ph type="title"/>
+            <p:ph type="title" hasCustomPrompt="1"/>
           </p:nvPr>
         </p:nvSpPr>
         <p:spPr>
@@ -5426,7 +5527,7 @@
             <a:spLocks noGrp="1"/>
           </p:cNvSpPr>
           <p:nvPr>
-            <p:ph type="body" sz="half" idx="2"/>
+            <p:ph type="body" sz="half" idx="2" hasCustomPrompt="1"/>
           </p:nvPr>
         </p:nvSpPr>
         <p:spPr>
@@ -5503,7 +5604,7 @@
           <a:p>
             <a:fld id="{D62EEA48-04E8-484C-87C1-2772327C918D}" type="datetimeFigureOut">
               <a:rPr lang="pt-BR" smtClean="0"/>
-              <a:t>28/10/2019</a:t>
+              <a:t>30/10/2019</a:t>
             </a:fld>
             <a:endParaRPr lang="pt-BR"/>
           </a:p>
@@ -5552,11 +5653,6 @@
         </p:txBody>
       </p:sp>
     </p:spTree>
-    <p:extLst>
-      <p:ext uri="{BB962C8B-B14F-4D97-AF65-F5344CB8AC3E}">
-        <p14:creationId xmlns:p14="http://schemas.microsoft.com/office/powerpoint/2010/main" val="2401866476"/>
-      </p:ext>
-    </p:extLst>
   </p:cSld>
   <p:clrMapOvr>
     <a:masterClrMapping/>
@@ -6246,7 +6342,7 @@
           <a:p>
             <a:fld id="{D62EEA48-04E8-484C-87C1-2772327C918D}" type="datetimeFigureOut">
               <a:rPr lang="pt-BR" smtClean="0"/>
-              <a:t>28/10/2019</a:t>
+              <a:t>30/10/2019</a:t>
             </a:fld>
             <a:endParaRPr lang="pt-BR"/>
           </a:p>
@@ -6329,30 +6425,25 @@
         </p:txBody>
       </p:sp>
     </p:spTree>
-    <p:extLst>
-      <p:ext uri="{BB962C8B-B14F-4D97-AF65-F5344CB8AC3E}">
-        <p14:creationId xmlns:p14="http://schemas.microsoft.com/office/powerpoint/2010/main" val="4288811911"/>
-      </p:ext>
-    </p:extLst>
   </p:cSld>
   <p:clrMap bg1="lt1" tx1="dk1" bg2="lt2" tx2="dk2" accent1="accent1" accent2="accent2" accent3="accent3" accent4="accent4" accent5="accent5" accent6="accent6" hlink="hlink" folHlink="folHlink"/>
   <p:sldLayoutIdLst>
-    <p:sldLayoutId id="2147483696" r:id="rId1"/>
-    <p:sldLayoutId id="2147483697" r:id="rId2"/>
-    <p:sldLayoutId id="2147483698" r:id="rId3"/>
-    <p:sldLayoutId id="2147483699" r:id="rId4"/>
-    <p:sldLayoutId id="2147483700" r:id="rId5"/>
-    <p:sldLayoutId id="2147483701" r:id="rId6"/>
-    <p:sldLayoutId id="2147483702" r:id="rId7"/>
-    <p:sldLayoutId id="2147483703" r:id="rId8"/>
-    <p:sldLayoutId id="2147483704" r:id="rId9"/>
-    <p:sldLayoutId id="2147483705" r:id="rId10"/>
-    <p:sldLayoutId id="2147483706" r:id="rId11"/>
-    <p:sldLayoutId id="2147483707" r:id="rId12"/>
-    <p:sldLayoutId id="2147483708" r:id="rId13"/>
-    <p:sldLayoutId id="2147483709" r:id="rId14"/>
-    <p:sldLayoutId id="2147483710" r:id="rId15"/>
-    <p:sldLayoutId id="2147483711" r:id="rId16"/>
+    <p:sldLayoutId id="2147483649" r:id="rId1"/>
+    <p:sldLayoutId id="2147483650" r:id="rId2"/>
+    <p:sldLayoutId id="2147483651" r:id="rId3"/>
+    <p:sldLayoutId id="2147483652" r:id="rId4"/>
+    <p:sldLayoutId id="2147483653" r:id="rId5"/>
+    <p:sldLayoutId id="2147483654" r:id="rId6"/>
+    <p:sldLayoutId id="2147483655" r:id="rId7"/>
+    <p:sldLayoutId id="2147483656" r:id="rId8"/>
+    <p:sldLayoutId id="2147483657" r:id="rId9"/>
+    <p:sldLayoutId id="2147483658" r:id="rId10"/>
+    <p:sldLayoutId id="2147483659" r:id="rId11"/>
+    <p:sldLayoutId id="2147483660" r:id="rId12"/>
+    <p:sldLayoutId id="2147483661" r:id="rId13"/>
+    <p:sldLayoutId id="2147483662" r:id="rId14"/>
+    <p:sldLayoutId id="2147483663" r:id="rId15"/>
+    <p:sldLayoutId id="2147483664" r:id="rId16"/>
   </p:sldLayoutIdLst>
   <p:txStyles>
     <p:titleStyle>
@@ -6772,13 +6863,7 @@
       </p:grpSpPr>
       <p:sp>
         <p:nvSpPr>
-          <p:cNvPr id="2" name="Título 1">
-            <a:extLst>
-              <a:ext uri="{FF2B5EF4-FFF2-40B4-BE49-F238E27FC236}">
-                <a16:creationId xmlns:a16="http://schemas.microsoft.com/office/drawing/2014/main" id="{892EE3D3-0ADB-4CD5-8AB6-83993F531527}"/>
-              </a:ext>
-            </a:extLst>
-          </p:cNvPr>
+          <p:cNvPr id="2" name="Título 1"/>
           <p:cNvSpPr>
             <a:spLocks noGrp="1"/>
           </p:cNvSpPr>
@@ -6809,13 +6894,7 @@
       </p:sp>
       <p:pic>
         <p:nvPicPr>
-          <p:cNvPr id="5" name="Imagem 4">
-            <a:extLst>
-              <a:ext uri="{FF2B5EF4-FFF2-40B4-BE49-F238E27FC236}">
-                <a16:creationId xmlns:a16="http://schemas.microsoft.com/office/drawing/2014/main" id="{AC1D93B3-283C-4228-9236-48E2A76488FC}"/>
-              </a:ext>
-            </a:extLst>
-          </p:cNvPr>
+          <p:cNvPr id="5" name="Imagem 4"/>
           <p:cNvPicPr>
             <a:picLocks noChangeAspect="1"/>
           </p:cNvPicPr>
@@ -6845,13 +6924,7 @@
       </p:pic>
       <p:sp>
         <p:nvSpPr>
-          <p:cNvPr id="6" name="CaixaDeTexto 5">
-            <a:extLst>
-              <a:ext uri="{FF2B5EF4-FFF2-40B4-BE49-F238E27FC236}">
-                <a16:creationId xmlns:a16="http://schemas.microsoft.com/office/drawing/2014/main" id="{E6E5E8F5-B76A-45AA-9FC1-500C09BAB75B}"/>
-              </a:ext>
-            </a:extLst>
-          </p:cNvPr>
+          <p:cNvPr id="6" name="CaixaDeTexto 5"/>
           <p:cNvSpPr txBox="1"/>
           <p:nvPr/>
         </p:nvSpPr>
@@ -6879,11 +6952,6 @@
         </p:txBody>
       </p:sp>
     </p:spTree>
-    <p:extLst>
-      <p:ext uri="{BB962C8B-B14F-4D97-AF65-F5344CB8AC3E}">
-        <p14:creationId xmlns:p14="http://schemas.microsoft.com/office/powerpoint/2010/main" val="3579981193"/>
-      </p:ext>
-    </p:extLst>
   </p:cSld>
   <p:clrMapOvr>
     <a:masterClrMapping/>
@@ -6910,13 +6978,7 @@
       </p:grpSpPr>
       <p:sp>
         <p:nvSpPr>
-          <p:cNvPr id="2" name="Título 1">
-            <a:extLst>
-              <a:ext uri="{FF2B5EF4-FFF2-40B4-BE49-F238E27FC236}">
-                <a16:creationId xmlns:a16="http://schemas.microsoft.com/office/drawing/2014/main" id="{43B5FBA6-B9CC-480B-B3DE-8A665C87E745}"/>
-              </a:ext>
-            </a:extLst>
-          </p:cNvPr>
+          <p:cNvPr id="2" name="Título 1"/>
           <p:cNvSpPr>
             <a:spLocks noGrp="1"/>
           </p:cNvSpPr>
@@ -6938,13 +7000,7 @@
       </p:sp>
       <p:sp>
         <p:nvSpPr>
-          <p:cNvPr id="3" name="Espaço Reservado para Conteúdo 2">
-            <a:extLst>
-              <a:ext uri="{FF2B5EF4-FFF2-40B4-BE49-F238E27FC236}">
-                <a16:creationId xmlns:a16="http://schemas.microsoft.com/office/drawing/2014/main" id="{2148DBC6-D5D7-422A-A1AF-8392D2837689}"/>
-              </a:ext>
-            </a:extLst>
-          </p:cNvPr>
+          <p:cNvPr id="3" name="Espaço Reservado para Conteúdo 2"/>
           <p:cNvSpPr>
             <a:spLocks noGrp="1"/>
           </p:cNvSpPr>
@@ -6952,40 +7008,57 @@
             <p:ph idx="1"/>
           </p:nvPr>
         </p:nvSpPr>
-        <p:spPr/>
+        <p:spPr>
+          <a:xfrm>
+            <a:off x="677545" y="2160905"/>
+            <a:ext cx="8596630" cy="2178685"/>
+          </a:xfrm>
+        </p:spPr>
         <p:txBody>
           <a:bodyPr/>
           <a:lstStyle/>
           <a:p>
             <a:r>
               <a:rPr lang="pt-BR" dirty="0"/>
-              <a:t>Os </a:t>
+              <a:t>Os membros da </a:t>
             </a:r>
             <a:r>
               <a:rPr lang="pt-BR" dirty="0">
-                <a:hlinkClick r:id="rId3" tooltip="Ponto e vírgula"/>
+                <a:hlinkClick r:id="rId2" tooltip="Classe (programação)"/>
               </a:rPr>
-              <a:t>ponto-e-vírgulas</a:t>
+              <a:t>classe</a:t>
             </a:r>
             <a:r>
               <a:rPr lang="pt-BR" dirty="0"/>
-              <a:t> são opcionais como um terminador de instrução; na maioria dos casos, uma nova linha é suficiente para o compilador deduzir que a instrução terminou.</a:t>
+              <a:t> são públicos por padrão e as próprias classes são finais por padrão, o que significa que a criação de uma classe derivada é desativada, a menos que a classe base seja declarada com a palavra-chave aberta.</a:t>
             </a:r>
           </a:p>
           <a:p>
             <a:r>
               <a:rPr lang="pt-BR" dirty="0"/>
-              <a:t>Declarações de </a:t>
+              <a:t>Além das classes</a:t>
+            </a:r>
+            <a:r>
+              <a:rPr lang="" altLang="pt-BR" dirty="0"/>
+              <a:t>, os </a:t>
             </a:r>
             <a:r>
               <a:rPr lang="pt-BR" dirty="0">
-                <a:hlinkClick r:id="rId4" tooltip="Variável (programação)"/>
+                <a:hlinkClick r:id="rId3" tooltip="Método (programação)"/>
               </a:rPr>
-              <a:t>variáveis</a:t>
+              <a:t>métodos</a:t>
             </a:r>
             <a:r>
               <a:rPr lang="pt-BR" dirty="0"/>
-              <a:t> ​​do </a:t>
+              <a:t> (chamadas de </a:t>
+            </a:r>
+            <a:r>
+              <a:rPr lang="pt-BR" i="1" dirty="0"/>
+              <a:t>funções-membro</a:t>
+            </a:r>
+            <a:r>
+              <a:rPr lang="pt-BR" dirty="0"/>
+              <a:t> em </a:t>
             </a:r>
             <a:r>
               <a:rPr lang="pt-BR" dirty="0" err="1"/>
@@ -6993,99 +7066,162 @@
             </a:r>
             <a:r>
               <a:rPr lang="pt-BR" dirty="0"/>
-              <a:t> e listas de </a:t>
-            </a:r>
-            <a:r>
-              <a:rPr lang="pt-BR" dirty="0">
-                <a:hlinkClick r:id="rId5" tooltip="Parâmetro (ciência da computação)"/>
+              <a:t>)</a:t>
+            </a:r>
+            <a:r>
+              <a:rPr lang="" altLang="pt-BR" dirty="0"/>
+              <a:t>. São declarados da seguinte forma:</a:t>
+            </a:r>
+            <a:endParaRPr lang="pt-BR" dirty="0"/>
+          </a:p>
+          <a:p>
+            <a:endParaRPr lang="pt-BR" dirty="0"/>
+          </a:p>
+          <a:p>
+            <a:endParaRPr lang="pt-BR" dirty="0"/>
+          </a:p>
+        </p:txBody>
+      </p:sp>
+      <p:sp>
+        <p:nvSpPr>
+          <p:cNvPr id="4" name="Text Box 3"/>
+          <p:cNvSpPr txBox="1"/>
+          <p:nvPr/>
+        </p:nvSpPr>
+        <p:spPr>
+          <a:xfrm>
+            <a:off x="1042670" y="4399915"/>
+            <a:ext cx="2228215" cy="922020"/>
+          </a:xfrm>
+          <a:prstGeom prst="rect">
+            <a:avLst/>
+          </a:prstGeom>
+          <a:noFill/>
+        </p:spPr>
+        <p:txBody>
+          <a:bodyPr wrap="none" rtlCol="0">
+            <a:spAutoFit/>
+          </a:bodyPr>
+          <a:lstStyle/>
+          <a:p>
+            <a:pPr algn="l"/>
+            <a:r>
+              <a:rPr lang="en-US">
+                <a:solidFill>
+                  <a:schemeClr val="tx1">
+                    <a:lumMod val="75000"/>
+                    <a:lumOff val="25000"/>
+                  </a:schemeClr>
+                </a:solidFill>
               </a:rPr>
-              <a:t>parâmetros</a:t>
-            </a:r>
-            <a:r>
-              <a:rPr lang="pt-BR" dirty="0"/>
-              <a:t> têm o tipo de </a:t>
-            </a:r>
-            <a:r>
-              <a:rPr lang="pt-BR" dirty="0">
-                <a:hlinkClick r:id="rId6" tooltip="Dados (computação)"/>
+              <a:t>fun </a:t>
+            </a:r>
+            <a:r>
+              <a:rPr lang="" altLang="en-US">
+                <a:solidFill>
+                  <a:schemeClr val="tx1">
+                    <a:lumMod val="75000"/>
+                    <a:lumOff val="25000"/>
+                  </a:schemeClr>
+                </a:solidFill>
               </a:rPr>
-              <a:t>dados</a:t>
-            </a:r>
-            <a:r>
-              <a:rPr lang="pt-BR" dirty="0"/>
-              <a:t> vindo depois do nome da variável (e com um separador de dois-pontos), semelhante ao </a:t>
-            </a:r>
-            <a:r>
-              <a:rPr lang="pt-BR" dirty="0">
-                <a:hlinkClick r:id="rId7" tooltip="Pascal (linguagem de programação)"/>
+              <a:t>listar</a:t>
+            </a:r>
+            <a:r>
+              <a:rPr lang="en-US">
+                <a:solidFill>
+                  <a:schemeClr val="tx1">
+                    <a:lumMod val="75000"/>
+                    <a:lumOff val="25000"/>
+                  </a:schemeClr>
+                </a:solidFill>
               </a:rPr>
-              <a:t>Pascal</a:t>
-            </a:r>
-            <a:r>
-              <a:rPr lang="pt-BR" dirty="0"/>
-              <a:t>.</a:t>
-            </a:r>
-          </a:p>
-          <a:p>
-            <a:r>
-              <a:rPr lang="pt-BR" dirty="0"/>
-              <a:t>Variáveis ​​no </a:t>
-            </a:r>
-            <a:r>
-              <a:rPr lang="pt-BR" dirty="0" err="1"/>
-              <a:t>Kotlin</a:t>
-            </a:r>
-            <a:r>
-              <a:rPr lang="pt-BR" dirty="0"/>
-              <a:t> podem ser imutáveis, declaradas com a </a:t>
-            </a:r>
-            <a:r>
-              <a:rPr lang="pt-BR" dirty="0">
-                <a:hlinkClick r:id="rId8" tooltip="Palavra reservada"/>
+              <a:t>(): </a:t>
+            </a:r>
+            <a:r>
+              <a:rPr lang="" altLang="en-US">
+                <a:solidFill>
+                  <a:schemeClr val="tx1">
+                    <a:lumMod val="75000"/>
+                    <a:lumOff val="25000"/>
+                  </a:schemeClr>
+                </a:solidFill>
               </a:rPr>
-              <a:t>palavra-chave</a:t>
-            </a:r>
-            <a:r>
-              <a:rPr lang="pt-BR" dirty="0"/>
-              <a:t> </a:t>
-            </a:r>
-            <a:r>
-              <a:rPr lang="pt-BR" i="1" dirty="0" err="1"/>
-              <a:t>val</a:t>
-            </a:r>
-            <a:r>
-              <a:rPr lang="pt-BR" dirty="0"/>
-              <a:t>, ou mutáveis, declaradas com a palavra-chave </a:t>
-            </a:r>
-            <a:r>
-              <a:rPr lang="pt-BR" i="1" dirty="0"/>
-              <a:t>var</a:t>
-            </a:r>
-            <a:r>
-              <a:rPr lang="pt-BR" dirty="0"/>
-              <a:t>.</a:t>
-            </a:r>
-          </a:p>
-          <a:p>
-            <a:pPr marL="0" indent="0">
-              <a:buNone/>
-            </a:pPr>
-            <a:br>
-              <a:rPr lang="pt-BR" dirty="0"/>
-            </a:br>
-            <a:br>
-              <a:rPr lang="pt-BR" dirty="0"/>
-            </a:br>
-            <a:endParaRPr lang="pt-BR" dirty="0"/>
+              <a:t>String</a:t>
+            </a:r>
+            <a:r>
+              <a:rPr lang="en-US">
+                <a:solidFill>
+                  <a:schemeClr val="tx1">
+                    <a:lumMod val="75000"/>
+                    <a:lumOff val="25000"/>
+                  </a:schemeClr>
+                </a:solidFill>
+              </a:rPr>
+              <a:t>{</a:t>
+            </a:r>
+          </a:p>
+          <a:p>
+            <a:pPr algn="l"/>
+            <a:r>
+              <a:rPr lang="" altLang="en-US">
+                <a:solidFill>
+                  <a:schemeClr val="tx1">
+                    <a:lumMod val="75000"/>
+                    <a:lumOff val="25000"/>
+                  </a:schemeClr>
+                </a:solidFill>
+              </a:rPr>
+              <a:t>	</a:t>
+            </a:r>
+            <a:r>
+              <a:rPr lang="en-US">
+                <a:solidFill>
+                  <a:schemeClr val="tx1">
+                    <a:lumMod val="75000"/>
+                    <a:lumOff val="25000"/>
+                  </a:schemeClr>
+                </a:solidFill>
+              </a:rPr>
+              <a:t>return </a:t>
+            </a:r>
+            <a:r>
+              <a:rPr lang="" altLang="en-US">
+                <a:solidFill>
+                  <a:schemeClr val="tx1">
+                    <a:lumMod val="75000"/>
+                    <a:lumOff val="25000"/>
+                  </a:schemeClr>
+                </a:solidFill>
+              </a:rPr>
+              <a:t>lista</a:t>
+            </a:r>
+            <a:endParaRPr lang="en-US">
+              <a:solidFill>
+                <a:schemeClr val="tx1">
+                  <a:lumMod val="75000"/>
+                  <a:lumOff val="25000"/>
+                </a:schemeClr>
+              </a:solidFill>
+            </a:endParaRPr>
+          </a:p>
+          <a:p>
+            <a:pPr algn="l"/>
+            <a:r>
+              <a:rPr lang="en-US">
+                <a:solidFill>
+                  <a:schemeClr val="tx1">
+                    <a:lumMod val="75000"/>
+                    <a:lumOff val="25000"/>
+                  </a:schemeClr>
+                </a:solidFill>
+              </a:rPr>
+              <a:t>}</a:t>
+            </a:r>
           </a:p>
         </p:txBody>
       </p:sp>
     </p:spTree>
-    <p:extLst>
-      <p:ext uri="{BB962C8B-B14F-4D97-AF65-F5344CB8AC3E}">
-        <p14:creationId xmlns:p14="http://schemas.microsoft.com/office/powerpoint/2010/main" val="1989034319"/>
-      </p:ext>
-    </p:extLst>
   </p:cSld>
   <p:clrMapOvr>
     <a:masterClrMapping/>
@@ -7115,7 +7251,7 @@
           <p:cNvPr id="2" name="Título 1">
             <a:extLst>
               <a:ext uri="{FF2B5EF4-FFF2-40B4-BE49-F238E27FC236}">
-                <a16:creationId xmlns:a16="http://schemas.microsoft.com/office/drawing/2014/main" id="{C64E9383-E3A1-45FB-9423-AE99F8A8D9CE}"/>
+                <a16:creationId xmlns:a16="http://schemas.microsoft.com/office/drawing/2014/main" id="{FEF5B047-74A8-4F1E-8FE4-6E8B98BF5565}"/>
               </a:ext>
             </a:extLst>
           </p:cNvPr>
@@ -7133,7 +7269,7 @@
           <a:p>
             <a:r>
               <a:rPr lang="pt-BR" dirty="0"/>
-              <a:t>Sintaxe da linguagem</a:t>
+              <a:t>Modificadores de visibilidade</a:t>
             </a:r>
           </a:p>
         </p:txBody>
@@ -7143,7 +7279,7 @@
           <p:cNvPr id="3" name="Espaço Reservado para Conteúdo 2">
             <a:extLst>
               <a:ext uri="{FF2B5EF4-FFF2-40B4-BE49-F238E27FC236}">
-                <a16:creationId xmlns:a16="http://schemas.microsoft.com/office/drawing/2014/main" id="{A2B20196-FF0C-4580-A914-BEEB54A23528}"/>
+                <a16:creationId xmlns:a16="http://schemas.microsoft.com/office/drawing/2014/main" id="{7E213D0E-CE7F-4810-8DEB-B3C3D52F0B07}"/>
               </a:ext>
             </a:extLst>
           </p:cNvPr>
@@ -7154,151 +7290,110 @@
             <p:ph idx="1"/>
           </p:nvPr>
         </p:nvSpPr>
-        <p:spPr/>
-        <p:txBody>
-          <a:bodyPr/>
-          <a:lstStyle/>
-          <a:p>
+        <p:spPr>
+          <a:xfrm>
+            <a:off x="677334" y="2160589"/>
+            <a:ext cx="8596668" cy="4087811"/>
+          </a:xfrm>
+        </p:spPr>
+        <p:txBody>
+          <a:bodyPr>
+            <a:noAutofit/>
+          </a:bodyPr>
+          <a:lstStyle/>
+          <a:p>
+            <a:pPr algn="just"/>
+            <a:r>
+              <a:rPr lang="pt-BR" dirty="0" err="1"/>
+              <a:t>Public</a:t>
+            </a:r>
             <a:r>
               <a:rPr lang="pt-BR" dirty="0"/>
-              <a:t>Os membros da </a:t>
-            </a:r>
-            <a:r>
-              <a:rPr lang="pt-BR" dirty="0">
-                <a:hlinkClick r:id="rId2" tooltip="Classe (programação)"/>
-              </a:rPr>
-              <a:t>classe</a:t>
-            </a:r>
+              <a:t>: o acesso pode ser feito de qualquer lugar.</a:t>
+            </a:r>
+          </a:p>
+          <a:p>
+            <a:pPr algn="just"/>
             <a:r>
               <a:rPr lang="pt-BR" dirty="0"/>
-              <a:t> são públicos por padrão e as próprias classes são finais por padrão, o que significa que a criação de uma classe derivada é desativada, a menos que a classe base seja declarada com a palavra-chave aberta.</a:t>
-            </a:r>
-          </a:p>
-          <a:p>
+              <a:t>Private: o acesso só pode ser feito do escopo da classe que define o item.</a:t>
+            </a:r>
+          </a:p>
+          <a:p>
+            <a:pPr algn="just"/>
+            <a:r>
+              <a:rPr lang="pt-BR" dirty="0" err="1"/>
+              <a:t>Protected</a:t>
+            </a:r>
             <a:r>
               <a:rPr lang="pt-BR" dirty="0"/>
-              <a:t>Além das classes e </a:t>
-            </a:r>
-            <a:r>
-              <a:rPr lang="pt-BR" dirty="0">
-                <a:hlinkClick r:id="rId3" tooltip="Método (programação)"/>
-              </a:rPr>
-              <a:t>métodos</a:t>
+              <a:t>: o acesso só pode ser feito da classe que define o item e de qualquer classe derivada, ou seja, permite acesso às classes filhas, mas proíbe a qualquer outro acesso externo.</a:t>
+            </a:r>
+          </a:p>
+          <a:p>
+            <a:pPr algn="just"/>
+            <a:r>
+              <a:rPr lang="pt-BR" dirty="0" err="1"/>
+              <a:t>Internal</a:t>
             </a:r>
             <a:r>
               <a:rPr lang="pt-BR" dirty="0"/>
-              <a:t> (chamadas de </a:t>
-            </a:r>
-            <a:r>
-              <a:rPr lang="pt-BR" i="1" dirty="0"/>
-              <a:t>funções-membro</a:t>
-            </a:r>
+              <a:t>: o acesso pode ser feito do código do módulo, ou seja, ele determina que aquele tipo ou membro tem visibilidade em toda a unidade de compilação.</a:t>
+            </a:r>
+          </a:p>
+          <a:p>
+            <a:pPr algn="just"/>
+            <a:endParaRPr lang="pt-BR" dirty="0"/>
+          </a:p>
+          <a:p>
+            <a:pPr marL="0" indent="0" algn="just">
+              <a:buNone/>
+            </a:pPr>
             <a:r>
               <a:rPr lang="pt-BR" dirty="0"/>
-              <a:t> em </a:t>
+              <a:t>     (modificador) </a:t>
             </a:r>
             <a:r>
               <a:rPr lang="pt-BR" dirty="0" err="1"/>
-              <a:t>Kotlin</a:t>
+              <a:t>fun</a:t>
             </a:r>
             <a:r>
               <a:rPr lang="pt-BR" dirty="0"/>
-              <a:t>) de </a:t>
-            </a:r>
-            <a:r>
-              <a:rPr lang="pt-BR" dirty="0">
-                <a:hlinkClick r:id="rId4" tooltip="Programação orientada a objetos"/>
-              </a:rPr>
-              <a:t>programação orientada a objetos</a:t>
+              <a:t> cadastrar(): </a:t>
+            </a:r>
+            <a:r>
+              <a:rPr lang="pt-BR" dirty="0" err="1"/>
+              <a:t>Boolean</a:t>
             </a:r>
             <a:r>
               <a:rPr lang="pt-BR" dirty="0"/>
-              <a:t>, </a:t>
-            </a:r>
-            <a:r>
-              <a:rPr lang="pt-BR" dirty="0" err="1"/>
-              <a:t>Kotlin</a:t>
-            </a:r>
+              <a:t>{</a:t>
+            </a:r>
+          </a:p>
+          <a:p>
+            <a:pPr marL="0" indent="0" algn="just">
+              <a:buNone/>
+            </a:pPr>
             <a:r>
               <a:rPr lang="pt-BR" dirty="0"/>
-              <a:t> também suporta </a:t>
-            </a:r>
-            <a:r>
-              <a:rPr lang="pt-BR" dirty="0">
-                <a:hlinkClick r:id="rId5" tooltip="Programação procedural"/>
-              </a:rPr>
-              <a:t>programação procedural</a:t>
-            </a:r>
+              <a:t>     </a:t>
+            </a:r>
+          </a:p>
+          <a:p>
+            <a:pPr marL="0" indent="0" algn="just">
+              <a:buNone/>
+            </a:pPr>
             <a:r>
               <a:rPr lang="pt-BR" dirty="0"/>
-              <a:t> com o uso de </a:t>
-            </a:r>
-            <a:r>
-              <a:rPr lang="pt-BR" dirty="0">
-                <a:hlinkClick r:id="rId6" tooltip="Sub-rotina"/>
-              </a:rPr>
-              <a:t>funções</a:t>
-            </a:r>
-            <a:r>
-              <a:rPr lang="pt-BR" dirty="0"/>
-              <a:t>.</a:t>
-            </a:r>
-          </a:p>
-          <a:p>
-            <a:r>
-              <a:rPr lang="pt-BR" dirty="0"/>
-              <a:t>As </a:t>
-            </a:r>
-            <a:r>
-              <a:rPr lang="pt-BR" dirty="0">
-                <a:hlinkClick r:id="rId6" tooltip="Sub-rotina"/>
-              </a:rPr>
-              <a:t>funções</a:t>
-            </a:r>
-            <a:r>
-              <a:rPr lang="pt-BR" dirty="0"/>
-              <a:t> e </a:t>
-            </a:r>
-            <a:r>
-              <a:rPr lang="pt-BR" dirty="0">
-                <a:hlinkClick r:id="rId7" tooltip="Construtor (informática)"/>
-              </a:rPr>
-              <a:t>construtores</a:t>
-            </a:r>
-            <a:r>
-              <a:rPr lang="pt-BR" dirty="0"/>
-              <a:t> da linguagem suportam </a:t>
-            </a:r>
-            <a:r>
-              <a:rPr lang="pt-BR" dirty="0">
-                <a:hlinkClick r:id="rId8" tooltip="Parâmetro (ciência da computação)"/>
-              </a:rPr>
-              <a:t>argumentos</a:t>
-            </a:r>
-            <a:r>
-              <a:rPr lang="pt-BR" dirty="0"/>
-              <a:t> padrão, listas de argumentos de tamanho variável, argumentos nomeados e </a:t>
-            </a:r>
-            <a:r>
-              <a:rPr lang="pt-BR" dirty="0">
-                <a:hlinkClick r:id="rId9" tooltip="Sobrecarga de método"/>
-              </a:rPr>
-              <a:t>sobrecarga</a:t>
-            </a:r>
-            <a:r>
-              <a:rPr lang="pt-BR" dirty="0"/>
-              <a:t> por assinatura única.</a:t>
-            </a:r>
-          </a:p>
-          <a:p>
-            <a:endParaRPr lang="pt-BR" dirty="0"/>
+              <a:t>     }</a:t>
+            </a:r>
           </a:p>
         </p:txBody>
       </p:sp>
     </p:spTree>
     <p:extLst>
       <p:ext uri="{BB962C8B-B14F-4D97-AF65-F5344CB8AC3E}">
-        <p14:creationId xmlns:p14="http://schemas.microsoft.com/office/powerpoint/2010/main" val="1909951042"/>
+        <p14:creationId xmlns:p14="http://schemas.microsoft.com/office/powerpoint/2010/main" val="2833541763"/>
       </p:ext>
     </p:extLst>
   </p:cSld>
@@ -7330,10 +7425,236 @@
           <p:cNvPr id="2" name="Título 1">
             <a:extLst>
               <a:ext uri="{FF2B5EF4-FFF2-40B4-BE49-F238E27FC236}">
-                <a16:creationId xmlns:a16="http://schemas.microsoft.com/office/drawing/2014/main" id="{892EE3D3-0ADB-4CD5-8AB6-83993F531527}"/>
+                <a16:creationId xmlns:a16="http://schemas.microsoft.com/office/drawing/2014/main" id="{CB4173A7-C0B5-428C-9546-BFF50D20864D}"/>
               </a:ext>
             </a:extLst>
           </p:cNvPr>
+          <p:cNvSpPr>
+            <a:spLocks noGrp="1"/>
+          </p:cNvSpPr>
+          <p:nvPr>
+            <p:ph type="title"/>
+          </p:nvPr>
+        </p:nvSpPr>
+        <p:spPr/>
+        <p:txBody>
+          <a:bodyPr/>
+          <a:lstStyle/>
+          <a:p>
+            <a:r>
+              <a:rPr lang="pt-BR" dirty="0"/>
+              <a:t>Principais Características do </a:t>
+            </a:r>
+            <a:r>
+              <a:rPr lang="pt-BR" dirty="0" err="1"/>
+              <a:t>Kotlin</a:t>
+            </a:r>
+            <a:endParaRPr lang="pt-BR" dirty="0"/>
+          </a:p>
+        </p:txBody>
+      </p:sp>
+      <p:sp>
+        <p:nvSpPr>
+          <p:cNvPr id="3" name="Espaço Reservado para Conteúdo 2">
+            <a:extLst>
+              <a:ext uri="{FF2B5EF4-FFF2-40B4-BE49-F238E27FC236}">
+                <a16:creationId xmlns:a16="http://schemas.microsoft.com/office/drawing/2014/main" id="{A7D2A223-0681-4B18-93A9-CE6504291BA8}"/>
+              </a:ext>
+            </a:extLst>
+          </p:cNvPr>
+          <p:cNvSpPr>
+            <a:spLocks noGrp="1"/>
+          </p:cNvSpPr>
+          <p:nvPr>
+            <p:ph idx="1"/>
+          </p:nvPr>
+        </p:nvSpPr>
+        <p:spPr/>
+        <p:txBody>
+          <a:bodyPr/>
+          <a:lstStyle/>
+          <a:p>
+            <a:r>
+              <a:rPr lang="pt-BR" dirty="0"/>
+              <a:t>Linguagem OO/Funcional (tudo pro </a:t>
+            </a:r>
+            <a:r>
+              <a:rPr lang="pt-BR" dirty="0" err="1"/>
+              <a:t>Kotlin</a:t>
+            </a:r>
+            <a:r>
+              <a:rPr lang="pt-BR" dirty="0"/>
+              <a:t> é um objeto)</a:t>
+            </a:r>
+          </a:p>
+          <a:p>
+            <a:r>
+              <a:rPr lang="pt-BR" dirty="0"/>
+              <a:t>Interoperabilidade com Java</a:t>
+            </a:r>
+          </a:p>
+          <a:p>
+            <a:r>
+              <a:rPr lang="pt-BR" dirty="0"/>
+              <a:t>Sintaxe enxuta e intuitiva</a:t>
+            </a:r>
+          </a:p>
+          <a:p>
+            <a:r>
+              <a:rPr lang="pt-BR" dirty="0" err="1"/>
+              <a:t>JetBrains</a:t>
+            </a:r>
+            <a:endParaRPr lang="pt-BR" dirty="0"/>
+          </a:p>
+        </p:txBody>
+      </p:sp>
+    </p:spTree>
+    <p:extLst>
+      <p:ext uri="{BB962C8B-B14F-4D97-AF65-F5344CB8AC3E}">
+        <p14:creationId xmlns:p14="http://schemas.microsoft.com/office/powerpoint/2010/main" val="3881367880"/>
+      </p:ext>
+    </p:extLst>
+  </p:cSld>
+  <p:clrMapOvr>
+    <a:masterClrMapping/>
+  </p:clrMapOvr>
+</p:sld>
+</file>
+
+<file path=ppt/slides/slide13.xml><?xml version="1.0" encoding="utf-8"?>
+<p:sld xmlns:a="http://schemas.openxmlformats.org/drawingml/2006/main" xmlns:r="http://schemas.openxmlformats.org/officeDocument/2006/relationships" xmlns:p="http://schemas.openxmlformats.org/presentationml/2006/main">
+  <p:cSld>
+    <p:spTree>
+      <p:nvGrpSpPr>
+        <p:cNvPr id="1" name=""/>
+        <p:cNvGrpSpPr/>
+        <p:nvPr/>
+      </p:nvGrpSpPr>
+      <p:grpSpPr>
+        <a:xfrm>
+          <a:off x="0" y="0"/>
+          <a:ext cx="0" cy="0"/>
+          <a:chOff x="0" y="0"/>
+          <a:chExt cx="0" cy="0"/>
+        </a:xfrm>
+      </p:grpSpPr>
+      <p:sp>
+        <p:nvSpPr>
+          <p:cNvPr id="2" name="Título 1">
+            <a:extLst>
+              <a:ext uri="{FF2B5EF4-FFF2-40B4-BE49-F238E27FC236}">
+                <a16:creationId xmlns:a16="http://schemas.microsoft.com/office/drawing/2014/main" id="{91AA47AC-F317-481A-B71F-2B5F12237703}"/>
+              </a:ext>
+            </a:extLst>
+          </p:cNvPr>
+          <p:cNvSpPr>
+            <a:spLocks noGrp="1"/>
+          </p:cNvSpPr>
+          <p:nvPr>
+            <p:ph type="title"/>
+          </p:nvPr>
+        </p:nvSpPr>
+        <p:spPr/>
+        <p:txBody>
+          <a:bodyPr/>
+          <a:lstStyle/>
+          <a:p>
+            <a:r>
+              <a:rPr lang="pt-BR" dirty="0"/>
+              <a:t>O que eu preciso?</a:t>
+            </a:r>
+          </a:p>
+        </p:txBody>
+      </p:sp>
+      <p:sp>
+        <p:nvSpPr>
+          <p:cNvPr id="3" name="Espaço Reservado para Conteúdo 2">
+            <a:extLst>
+              <a:ext uri="{FF2B5EF4-FFF2-40B4-BE49-F238E27FC236}">
+                <a16:creationId xmlns:a16="http://schemas.microsoft.com/office/drawing/2014/main" id="{1EC0A3B4-F202-49C2-90A6-F9701A8A54A7}"/>
+              </a:ext>
+            </a:extLst>
+          </p:cNvPr>
+          <p:cNvSpPr>
+            <a:spLocks noGrp="1"/>
+          </p:cNvSpPr>
+          <p:nvPr>
+            <p:ph idx="1"/>
+          </p:nvPr>
+        </p:nvSpPr>
+        <p:spPr/>
+        <p:txBody>
+          <a:bodyPr/>
+          <a:lstStyle/>
+          <a:p>
+            <a:r>
+              <a:rPr lang="pt-BR" dirty="0"/>
+              <a:t>Java JDK</a:t>
+            </a:r>
+          </a:p>
+          <a:p>
+            <a:r>
+              <a:rPr lang="pt-BR" dirty="0" err="1"/>
+              <a:t>Itellij</a:t>
+            </a:r>
+            <a:r>
+              <a:rPr lang="pt-BR" dirty="0"/>
+              <a:t> IDEA/Android Studio</a:t>
+            </a:r>
+          </a:p>
+          <a:p>
+            <a:r>
+              <a:rPr lang="pt-BR" dirty="0"/>
+              <a:t>Dedicação e Prática</a:t>
+            </a:r>
+          </a:p>
+          <a:p>
+            <a:r>
+              <a:rPr lang="pt-BR" dirty="0"/>
+              <a:t>Conhecimentos em Algoritmos</a:t>
+            </a:r>
+          </a:p>
+          <a:p>
+            <a:r>
+              <a:rPr lang="pt-BR" dirty="0"/>
+              <a:t>Recomendado: Linguagem Java</a:t>
+            </a:r>
+          </a:p>
+        </p:txBody>
+      </p:sp>
+    </p:spTree>
+    <p:extLst>
+      <p:ext uri="{BB962C8B-B14F-4D97-AF65-F5344CB8AC3E}">
+        <p14:creationId xmlns:p14="http://schemas.microsoft.com/office/powerpoint/2010/main" val="4100063082"/>
+      </p:ext>
+    </p:extLst>
+  </p:cSld>
+  <p:clrMapOvr>
+    <a:masterClrMapping/>
+  </p:clrMapOvr>
+</p:sld>
+</file>
+
+<file path=ppt/slides/slide14.xml><?xml version="1.0" encoding="utf-8"?>
+<p:sld xmlns:a="http://schemas.openxmlformats.org/drawingml/2006/main" xmlns:r="http://schemas.openxmlformats.org/officeDocument/2006/relationships" xmlns:p="http://schemas.openxmlformats.org/presentationml/2006/main">
+  <p:cSld>
+    <p:spTree>
+      <p:nvGrpSpPr>
+        <p:cNvPr id="1" name=""/>
+        <p:cNvGrpSpPr/>
+        <p:nvPr/>
+      </p:nvGrpSpPr>
+      <p:grpSpPr>
+        <a:xfrm>
+          <a:off x="0" y="0"/>
+          <a:ext cx="0" cy="0"/>
+          <a:chOff x="0" y="0"/>
+          <a:chExt cx="0" cy="0"/>
+        </a:xfrm>
+      </p:grpSpPr>
+      <p:sp>
+        <p:nvSpPr>
+          <p:cNvPr id="2" name="Título 1"/>
           <p:cNvSpPr>
             <a:spLocks noGrp="1"/>
           </p:cNvSpPr>
@@ -7364,13 +7685,7 @@
       </p:sp>
       <p:pic>
         <p:nvPicPr>
-          <p:cNvPr id="5" name="Imagem 4">
-            <a:extLst>
-              <a:ext uri="{FF2B5EF4-FFF2-40B4-BE49-F238E27FC236}">
-                <a16:creationId xmlns:a16="http://schemas.microsoft.com/office/drawing/2014/main" id="{AC1D93B3-283C-4228-9236-48E2A76488FC}"/>
-              </a:ext>
-            </a:extLst>
-          </p:cNvPr>
+          <p:cNvPr id="5" name="Imagem 4"/>
           <p:cNvPicPr>
             <a:picLocks noChangeAspect="1"/>
           </p:cNvPicPr>
@@ -7400,13 +7715,7 @@
       </p:pic>
       <p:sp>
         <p:nvSpPr>
-          <p:cNvPr id="6" name="CaixaDeTexto 5">
-            <a:extLst>
-              <a:ext uri="{FF2B5EF4-FFF2-40B4-BE49-F238E27FC236}">
-                <a16:creationId xmlns:a16="http://schemas.microsoft.com/office/drawing/2014/main" id="{E6E5E8F5-B76A-45AA-9FC1-500C09BAB75B}"/>
-              </a:ext>
-            </a:extLst>
-          </p:cNvPr>
+          <p:cNvPr id="6" name="CaixaDeTexto 5"/>
           <p:cNvSpPr txBox="1"/>
           <p:nvPr/>
         </p:nvSpPr>
@@ -7434,11 +7743,6 @@
         </p:txBody>
       </p:sp>
     </p:spTree>
-    <p:extLst>
-      <p:ext uri="{BB962C8B-B14F-4D97-AF65-F5344CB8AC3E}">
-        <p14:creationId xmlns:p14="http://schemas.microsoft.com/office/powerpoint/2010/main" val="4025371405"/>
-      </p:ext>
-    </p:extLst>
   </p:cSld>
   <p:clrMapOvr>
     <a:masterClrMapping/>
@@ -7465,13 +7769,7 @@
       </p:grpSpPr>
       <p:sp>
         <p:nvSpPr>
-          <p:cNvPr id="2" name="Título 1">
-            <a:extLst>
-              <a:ext uri="{FF2B5EF4-FFF2-40B4-BE49-F238E27FC236}">
-                <a16:creationId xmlns:a16="http://schemas.microsoft.com/office/drawing/2014/main" id="{C275D230-E4B5-478F-BE46-1E1F3835006A}"/>
-              </a:ext>
-            </a:extLst>
-          </p:cNvPr>
+          <p:cNvPr id="2" name="Título 1"/>
           <p:cNvSpPr>
             <a:spLocks noGrp="1"/>
           </p:cNvSpPr>
@@ -7493,13 +7791,7 @@
       </p:sp>
       <p:sp>
         <p:nvSpPr>
-          <p:cNvPr id="3" name="Espaço Reservado para Conteúdo 2">
-            <a:extLst>
-              <a:ext uri="{FF2B5EF4-FFF2-40B4-BE49-F238E27FC236}">
-                <a16:creationId xmlns:a16="http://schemas.microsoft.com/office/drawing/2014/main" id="{7F52E991-A58C-45A7-BE53-0A1D62556761}"/>
-              </a:ext>
-            </a:extLst>
-          </p:cNvPr>
+          <p:cNvPr id="3" name="Espaço Reservado para Conteúdo 2"/>
           <p:cNvSpPr>
             <a:spLocks noGrp="1"/>
           </p:cNvSpPr>
@@ -7609,11 +7901,6 @@
         </p:txBody>
       </p:sp>
     </p:spTree>
-    <p:extLst>
-      <p:ext uri="{BB962C8B-B14F-4D97-AF65-F5344CB8AC3E}">
-        <p14:creationId xmlns:p14="http://schemas.microsoft.com/office/powerpoint/2010/main" val="2885584403"/>
-      </p:ext>
-    </p:extLst>
   </p:cSld>
   <p:clrMapOvr>
     <a:masterClrMapping/>
@@ -7640,13 +7927,7 @@
       </p:grpSpPr>
       <p:sp>
         <p:nvSpPr>
-          <p:cNvPr id="2" name="Título 1">
-            <a:extLst>
-              <a:ext uri="{FF2B5EF4-FFF2-40B4-BE49-F238E27FC236}">
-                <a16:creationId xmlns:a16="http://schemas.microsoft.com/office/drawing/2014/main" id="{B0606502-C8D1-4376-9CE8-B1660A477304}"/>
-              </a:ext>
-            </a:extLst>
-          </p:cNvPr>
+          <p:cNvPr id="2" name="Título 1"/>
           <p:cNvSpPr>
             <a:spLocks noGrp="1"/>
           </p:cNvSpPr>
@@ -7668,13 +7949,7 @@
       </p:sp>
       <p:sp>
         <p:nvSpPr>
-          <p:cNvPr id="3" name="Espaço Reservado para Conteúdo 2">
-            <a:extLst>
-              <a:ext uri="{FF2B5EF4-FFF2-40B4-BE49-F238E27FC236}">
-                <a16:creationId xmlns:a16="http://schemas.microsoft.com/office/drawing/2014/main" id="{624866A2-CD62-464F-AE25-F86C420F7A2A}"/>
-              </a:ext>
-            </a:extLst>
-          </p:cNvPr>
+          <p:cNvPr id="3" name="Espaço Reservado para Conteúdo 2"/>
           <p:cNvSpPr>
             <a:spLocks noGrp="1"/>
           </p:cNvSpPr>
@@ -7773,7 +8048,7 @@
             </a:r>
             <a:r>
               <a:rPr lang="pt-BR" dirty="0">
-                <a:hlinkClick r:id="rId2" tooltip="Interoperabilidade"/>
+                <a:hlinkClick r:id="rId3" tooltip="Interoperabilidade"/>
               </a:rPr>
               <a:t>interoperabilidade</a:t>
             </a:r>
@@ -7793,11 +8068,6 @@
         </p:txBody>
       </p:sp>
     </p:spTree>
-    <p:extLst>
-      <p:ext uri="{BB962C8B-B14F-4D97-AF65-F5344CB8AC3E}">
-        <p14:creationId xmlns:p14="http://schemas.microsoft.com/office/powerpoint/2010/main" val="3447043296"/>
-      </p:ext>
-    </p:extLst>
   </p:cSld>
   <p:clrMapOvr>
     <a:masterClrMapping/>
@@ -7824,13 +8094,7 @@
       </p:grpSpPr>
       <p:sp>
         <p:nvSpPr>
-          <p:cNvPr id="2" name="Título 1">
-            <a:extLst>
-              <a:ext uri="{FF2B5EF4-FFF2-40B4-BE49-F238E27FC236}">
-                <a16:creationId xmlns:a16="http://schemas.microsoft.com/office/drawing/2014/main" id="{7B195CBB-0E83-4AA7-94D5-E68969EEB5E4}"/>
-              </a:ext>
-            </a:extLst>
-          </p:cNvPr>
+          <p:cNvPr id="2" name="Título 1"/>
           <p:cNvSpPr>
             <a:spLocks noGrp="1"/>
           </p:cNvSpPr>
@@ -7852,13 +8116,7 @@
       </p:sp>
       <p:sp>
         <p:nvSpPr>
-          <p:cNvPr id="3" name="Espaço Reservado para Conteúdo 2">
-            <a:extLst>
-              <a:ext uri="{FF2B5EF4-FFF2-40B4-BE49-F238E27FC236}">
-                <a16:creationId xmlns:a16="http://schemas.microsoft.com/office/drawing/2014/main" id="{8E425BE2-8A5E-4F25-BCAF-D528504C204A}"/>
-              </a:ext>
-            </a:extLst>
-          </p:cNvPr>
+          <p:cNvPr id="3" name="Espaço Reservado para Conteúdo 2"/>
           <p:cNvSpPr>
             <a:spLocks noGrp="1"/>
           </p:cNvSpPr>
@@ -7871,6 +8129,7 @@
           <a:bodyPr/>
           <a:lstStyle/>
           <a:p>
+            <a:pPr algn="just"/>
             <a:r>
               <a:rPr lang="pt-BR" dirty="0"/>
               <a:t>De acordo com o blog da </a:t>
@@ -7925,6 +8184,7 @@
             </a:r>
           </a:p>
           <a:p>
+            <a:pPr algn="just"/>
             <a:r>
               <a:rPr lang="pt-BR" dirty="0" err="1"/>
               <a:t>Kotlin</a:t>
@@ -7947,11 +8207,6 @@
         </p:txBody>
       </p:sp>
     </p:spTree>
-    <p:extLst>
-      <p:ext uri="{BB962C8B-B14F-4D97-AF65-F5344CB8AC3E}">
-        <p14:creationId xmlns:p14="http://schemas.microsoft.com/office/powerpoint/2010/main" val="471756694"/>
-      </p:ext>
-    </p:extLst>
   </p:cSld>
   <p:clrMapOvr>
     <a:masterClrMapping/>
@@ -7978,13 +8233,7 @@
       </p:grpSpPr>
       <p:sp>
         <p:nvSpPr>
-          <p:cNvPr id="2" name="Título 1">
-            <a:extLst>
-              <a:ext uri="{FF2B5EF4-FFF2-40B4-BE49-F238E27FC236}">
-                <a16:creationId xmlns:a16="http://schemas.microsoft.com/office/drawing/2014/main" id="{F413D576-BB09-4B94-83E7-CDC94F7AB7D2}"/>
-              </a:ext>
-            </a:extLst>
-          </p:cNvPr>
+          <p:cNvPr id="2" name="Título 1"/>
           <p:cNvSpPr>
             <a:spLocks noGrp="1"/>
           </p:cNvSpPr>
@@ -8006,13 +8255,7 @@
       </p:sp>
       <p:sp>
         <p:nvSpPr>
-          <p:cNvPr id="3" name="Espaço Reservado para Conteúdo 2">
-            <a:extLst>
-              <a:ext uri="{FF2B5EF4-FFF2-40B4-BE49-F238E27FC236}">
-                <a16:creationId xmlns:a16="http://schemas.microsoft.com/office/drawing/2014/main" id="{9F6D84B0-6DAE-4AFA-8CD7-7C7E371FB5D0}"/>
-              </a:ext>
-            </a:extLst>
-          </p:cNvPr>
+          <p:cNvPr id="3" name="Espaço Reservado para Conteúdo 2"/>
           <p:cNvSpPr>
             <a:spLocks noGrp="1"/>
           </p:cNvSpPr>
@@ -8042,20 +8285,14 @@
       </p:sp>
       <p:pic>
         <p:nvPicPr>
-          <p:cNvPr id="9" name="Imagem 8">
-            <a:extLst>
-              <a:ext uri="{FF2B5EF4-FFF2-40B4-BE49-F238E27FC236}">
-                <a16:creationId xmlns:a16="http://schemas.microsoft.com/office/drawing/2014/main" id="{BB950C4B-1565-4BB3-A138-3CA2E79FE599}"/>
-              </a:ext>
-            </a:extLst>
-          </p:cNvPr>
+          <p:cNvPr id="9" name="Imagem 8"/>
           <p:cNvPicPr>
             <a:picLocks noChangeAspect="1"/>
           </p:cNvPicPr>
           <p:nvPr/>
         </p:nvPicPr>
         <p:blipFill>
-          <a:blip r:embed="rId3">
+          <a:blip r:embed="rId3" cstate="print">
             <a:extLst>
               <a:ext uri="{28A0092B-C50C-407E-A947-70E740481C1C}">
                 <a14:useLocalDpi xmlns:a14="http://schemas.microsoft.com/office/drawing/2010/main" val="0"/>
@@ -8078,13 +8315,7 @@
       </p:pic>
       <p:pic>
         <p:nvPicPr>
-          <p:cNvPr id="11" name="Imagem 10">
-            <a:extLst>
-              <a:ext uri="{FF2B5EF4-FFF2-40B4-BE49-F238E27FC236}">
-                <a16:creationId xmlns:a16="http://schemas.microsoft.com/office/drawing/2014/main" id="{F8BBDBA9-3438-4CBA-81B2-6B1AEB7130CC}"/>
-              </a:ext>
-            </a:extLst>
-          </p:cNvPr>
+          <p:cNvPr id="11" name="Imagem 10"/>
           <p:cNvPicPr>
             <a:picLocks noChangeAspect="1"/>
           </p:cNvPicPr>
@@ -8113,11 +8344,6 @@
         </p:spPr>
       </p:pic>
     </p:spTree>
-    <p:extLst>
-      <p:ext uri="{BB962C8B-B14F-4D97-AF65-F5344CB8AC3E}">
-        <p14:creationId xmlns:p14="http://schemas.microsoft.com/office/powerpoint/2010/main" val="655217394"/>
-      </p:ext>
-    </p:extLst>
   </p:cSld>
   <p:clrMapOvr>
     <a:masterClrMapping/>
@@ -8144,13 +8370,7 @@
       </p:grpSpPr>
       <p:sp>
         <p:nvSpPr>
-          <p:cNvPr id="2" name="Título 1">
-            <a:extLst>
-              <a:ext uri="{FF2B5EF4-FFF2-40B4-BE49-F238E27FC236}">
-                <a16:creationId xmlns:a16="http://schemas.microsoft.com/office/drawing/2014/main" id="{0B811A6C-E4AE-466F-8806-3A1069496DCB}"/>
-              </a:ext>
-            </a:extLst>
-          </p:cNvPr>
+          <p:cNvPr id="2" name="Título 1"/>
           <p:cNvSpPr>
             <a:spLocks noGrp="1"/>
           </p:cNvSpPr>
@@ -8161,26 +8381,20 @@
         <p:spPr/>
         <p:txBody>
           <a:bodyPr>
-            <a:normAutofit fontScale="90000"/>
+            <a:normAutofit/>
           </a:bodyPr>
           <a:lstStyle/>
           <a:p>
             <a:r>
               <a:rPr lang="pt-BR" dirty="0"/>
-              <a:t>Principais conceitos de OO (classes, herança, polimorfismo, encapsulamento)</a:t>
-            </a:r>
-          </a:p>
-        </p:txBody>
-      </p:sp>
-      <p:sp>
-        <p:nvSpPr>
-          <p:cNvPr id="3" name="Espaço Reservado para Conteúdo 2">
-            <a:extLst>
-              <a:ext uri="{FF2B5EF4-FFF2-40B4-BE49-F238E27FC236}">
-                <a16:creationId xmlns:a16="http://schemas.microsoft.com/office/drawing/2014/main" id="{1787345C-FAB9-4455-BF0A-E16B6DADDCC7}"/>
-              </a:ext>
-            </a:extLst>
-          </p:cNvPr>
+              <a:t>Principais conceitos de OO</a:t>
+            </a:r>
+          </a:p>
+        </p:txBody>
+      </p:sp>
+      <p:sp>
+        <p:nvSpPr>
+          <p:cNvPr id="3" name="Espaço Reservado para Conteúdo 2"/>
           <p:cNvSpPr>
             <a:spLocks noGrp="1"/>
           </p:cNvSpPr>
@@ -8193,6 +8407,7 @@
           <a:bodyPr/>
           <a:lstStyle/>
           <a:p>
+            <a:pPr algn="just"/>
             <a:r>
               <a:rPr lang="pt-BR" dirty="0"/>
               <a:t>Classes: são a descrição de um objeto, e para declararmos uma classe em </a:t>
@@ -8207,10 +8422,11 @@
             </a:r>
           </a:p>
           <a:p>
+            <a:pPr algn="just"/>
             <a:endParaRPr lang="pt-BR" dirty="0"/>
           </a:p>
           <a:p>
-            <a:pPr marL="0" indent="0">
+            <a:pPr marL="0" indent="0" algn="just">
               <a:buNone/>
             </a:pPr>
             <a:r>
@@ -8223,13 +8439,13 @@
             </a:r>
           </a:p>
           <a:p>
-            <a:pPr marL="0" indent="0">
+            <a:pPr marL="0" indent="0" algn="just">
               <a:buNone/>
             </a:pPr>
             <a:endParaRPr lang="pt-BR" dirty="0"/>
           </a:p>
           <a:p>
-            <a:pPr marL="0" indent="0">
+            <a:pPr marL="0" indent="0" algn="just">
               <a:buNone/>
             </a:pPr>
             <a:r>
@@ -8240,11 +8456,6 @@
         </p:txBody>
       </p:sp>
     </p:spTree>
-    <p:extLst>
-      <p:ext uri="{BB962C8B-B14F-4D97-AF65-F5344CB8AC3E}">
-        <p14:creationId xmlns:p14="http://schemas.microsoft.com/office/powerpoint/2010/main" val="2031446879"/>
-      </p:ext>
-    </p:extLst>
   </p:cSld>
   <p:clrMapOvr>
     <a:masterClrMapping/>
@@ -8271,13 +8482,7 @@
       </p:grpSpPr>
       <p:sp>
         <p:nvSpPr>
-          <p:cNvPr id="2" name="Título 1">
-            <a:extLst>
-              <a:ext uri="{FF2B5EF4-FFF2-40B4-BE49-F238E27FC236}">
-                <a16:creationId xmlns:a16="http://schemas.microsoft.com/office/drawing/2014/main" id="{9EA041EA-8E79-41BF-AB9C-ABAD1D1D506C}"/>
-              </a:ext>
-            </a:extLst>
-          </p:cNvPr>
+          <p:cNvPr id="2" name="Título 1"/>
           <p:cNvSpPr>
             <a:spLocks noGrp="1"/>
           </p:cNvSpPr>
@@ -8288,26 +8493,20 @@
         <p:spPr/>
         <p:txBody>
           <a:bodyPr>
-            <a:normAutofit fontScale="90000"/>
+            <a:normAutofit/>
           </a:bodyPr>
           <a:lstStyle/>
           <a:p>
             <a:r>
               <a:rPr lang="pt-BR" dirty="0"/>
-              <a:t>Principais conceitos de OO (classes, herança, polimorfismo, encapsulamento)</a:t>
-            </a:r>
-          </a:p>
-        </p:txBody>
-      </p:sp>
-      <p:sp>
-        <p:nvSpPr>
-          <p:cNvPr id="3" name="Espaço Reservado para Conteúdo 2">
-            <a:extLst>
-              <a:ext uri="{FF2B5EF4-FFF2-40B4-BE49-F238E27FC236}">
-                <a16:creationId xmlns:a16="http://schemas.microsoft.com/office/drawing/2014/main" id="{2774322C-E5C5-4743-A51D-B8D98CC122A6}"/>
-              </a:ext>
-            </a:extLst>
-          </p:cNvPr>
+              <a:t>Principais conceitos de OO </a:t>
+            </a:r>
+          </a:p>
+        </p:txBody>
+      </p:sp>
+      <p:sp>
+        <p:nvSpPr>
+          <p:cNvPr id="3" name="Espaço Reservado para Conteúdo 2"/>
           <p:cNvSpPr>
             <a:spLocks noGrp="1"/>
           </p:cNvSpPr>
@@ -8317,7 +8516,7 @@
         </p:nvSpPr>
         <p:spPr>
           <a:xfrm>
-            <a:off x="4738255" y="1780726"/>
+            <a:off x="4738255" y="1668182"/>
             <a:ext cx="4535747" cy="3880773"/>
           </a:xfrm>
         </p:spPr>
@@ -8325,6 +8524,7 @@
           <a:bodyPr/>
           <a:lstStyle/>
           <a:p>
+            <a:pPr algn="just"/>
             <a:r>
               <a:rPr lang="pt-BR" dirty="0"/>
               <a:t>Construtores: são os responsáveis por criar o objeto, ou seja, instanciar a classe que foi definida. </a:t>
@@ -8334,13 +8534,7 @@
       </p:sp>
       <p:pic>
         <p:nvPicPr>
-          <p:cNvPr id="5" name="Imagem 4">
-            <a:extLst>
-              <a:ext uri="{FF2B5EF4-FFF2-40B4-BE49-F238E27FC236}">
-                <a16:creationId xmlns:a16="http://schemas.microsoft.com/office/drawing/2014/main" id="{65644161-6D72-4B39-9CD4-92174734A4EA}"/>
-              </a:ext>
-            </a:extLst>
-          </p:cNvPr>
+          <p:cNvPr id="5" name="Imagem 4"/>
           <p:cNvPicPr>
             <a:picLocks noChangeAspect="1"/>
           </p:cNvPicPr>
@@ -8370,13 +8564,7 @@
       </p:pic>
       <p:pic>
         <p:nvPicPr>
-          <p:cNvPr id="7" name="Imagem 6">
-            <a:extLst>
-              <a:ext uri="{FF2B5EF4-FFF2-40B4-BE49-F238E27FC236}">
-                <a16:creationId xmlns:a16="http://schemas.microsoft.com/office/drawing/2014/main" id="{1543F7B7-5ED2-46CF-8C10-66C426E2A066}"/>
-              </a:ext>
-            </a:extLst>
-          </p:cNvPr>
+          <p:cNvPr id="7" name="Imagem 6"/>
           <p:cNvPicPr>
             <a:picLocks noChangeAspect="1"/>
           </p:cNvPicPr>
@@ -8405,11 +8593,6 @@
         </p:spPr>
       </p:pic>
     </p:spTree>
-    <p:extLst>
-      <p:ext uri="{BB962C8B-B14F-4D97-AF65-F5344CB8AC3E}">
-        <p14:creationId xmlns:p14="http://schemas.microsoft.com/office/powerpoint/2010/main" val="3786604792"/>
-      </p:ext>
-    </p:extLst>
   </p:cSld>
   <p:clrMapOvr>
     <a:masterClrMapping/>
@@ -8436,13 +8619,7 @@
       </p:grpSpPr>
       <p:sp>
         <p:nvSpPr>
-          <p:cNvPr id="2" name="Título 1">
-            <a:extLst>
-              <a:ext uri="{FF2B5EF4-FFF2-40B4-BE49-F238E27FC236}">
-                <a16:creationId xmlns:a16="http://schemas.microsoft.com/office/drawing/2014/main" id="{93804C83-7516-4EF6-8E74-C845C6F994B7}"/>
-              </a:ext>
-            </a:extLst>
-          </p:cNvPr>
+          <p:cNvPr id="2" name="Título 1"/>
           <p:cNvSpPr>
             <a:spLocks noGrp="1"/>
           </p:cNvSpPr>
@@ -8453,26 +8630,20 @@
         <p:spPr/>
         <p:txBody>
           <a:bodyPr>
-            <a:normAutofit fontScale="90000"/>
+            <a:normAutofit/>
           </a:bodyPr>
           <a:lstStyle/>
           <a:p>
             <a:r>
               <a:rPr lang="pt-BR" dirty="0"/>
-              <a:t>Principais conceitos de OO (classes, herança, polimorfismo, encapsulamento)</a:t>
-            </a:r>
-          </a:p>
-        </p:txBody>
-      </p:sp>
-      <p:sp>
-        <p:nvSpPr>
-          <p:cNvPr id="3" name="Espaço Reservado para Conteúdo 2">
-            <a:extLst>
-              <a:ext uri="{FF2B5EF4-FFF2-40B4-BE49-F238E27FC236}">
-                <a16:creationId xmlns:a16="http://schemas.microsoft.com/office/drawing/2014/main" id="{96C4666C-C40B-4B32-8501-0F1820B522D0}"/>
-              </a:ext>
-            </a:extLst>
-          </p:cNvPr>
+              <a:t>Principais conceitos de OO </a:t>
+            </a:r>
+          </a:p>
+        </p:txBody>
+      </p:sp>
+      <p:sp>
+        <p:nvSpPr>
+          <p:cNvPr id="3" name="Espaço Reservado para Conteúdo 2"/>
           <p:cNvSpPr>
             <a:spLocks noGrp="1"/>
           </p:cNvSpPr>
@@ -8485,21 +8656,23 @@
           <a:bodyPr/>
           <a:lstStyle/>
           <a:p>
+            <a:pPr algn="just"/>
             <a:r>
               <a:rPr lang="pt-BR" dirty="0"/>
               <a:t>Herança: permite criar novas classes a partir de classes já existentes, aproveitando-se das características existentes na classe a ser estendida. E usamos a herança da seguinte maneira:</a:t>
             </a:r>
           </a:p>
           <a:p>
+            <a:pPr algn="just"/>
             <a:endParaRPr lang="pt-BR" dirty="0"/>
           </a:p>
           <a:p>
-            <a:pPr marL="0" indent="0">
+            <a:pPr marL="0" indent="0" algn="just">
               <a:buNone/>
             </a:pPr>
             <a:r>
               <a:rPr lang="pt-BR" dirty="0"/>
-              <a:t>open </a:t>
+              <a:t>     open </a:t>
             </a:r>
             <a:r>
               <a:rPr lang="pt-BR" dirty="0" err="1"/>
@@ -8511,9 +8684,13 @@
             </a:r>
           </a:p>
           <a:p>
-            <a:pPr marL="0" indent="0">
+            <a:pPr marL="0" indent="0" algn="just">
               <a:buNone/>
             </a:pPr>
+            <a:r>
+              <a:rPr lang="pt-BR" dirty="0"/>
+              <a:t>     </a:t>
+            </a:r>
             <a:r>
               <a:rPr lang="pt-BR" dirty="0" err="1"/>
               <a:t>class</a:t>
@@ -8542,11 +8719,6 @@
         </p:txBody>
       </p:sp>
     </p:spTree>
-    <p:extLst>
-      <p:ext uri="{BB962C8B-B14F-4D97-AF65-F5344CB8AC3E}">
-        <p14:creationId xmlns:p14="http://schemas.microsoft.com/office/powerpoint/2010/main" val="820034035"/>
-      </p:ext>
-    </p:extLst>
   </p:cSld>
   <p:clrMapOvr>
     <a:masterClrMapping/>
@@ -8573,13 +8745,7 @@
       </p:grpSpPr>
       <p:sp>
         <p:nvSpPr>
-          <p:cNvPr id="2" name="Título 1">
-            <a:extLst>
-              <a:ext uri="{FF2B5EF4-FFF2-40B4-BE49-F238E27FC236}">
-                <a16:creationId xmlns:a16="http://schemas.microsoft.com/office/drawing/2014/main" id="{DFF447D3-AEE6-4EB2-9536-D4B9CACA40C4}"/>
-              </a:ext>
-            </a:extLst>
-          </p:cNvPr>
+          <p:cNvPr id="2" name="Título 1"/>
           <p:cNvSpPr>
             <a:spLocks noGrp="1"/>
           </p:cNvSpPr>
@@ -8589,64 +8755,403 @@
         </p:nvSpPr>
         <p:spPr/>
         <p:txBody>
+          <a:bodyPr/>
+          <a:lstStyle/>
+          <a:p>
+            <a:r>
+              <a:rPr lang="pt-BR" dirty="0"/>
+              <a:t>Sintaxe da linguagem</a:t>
+            </a:r>
+          </a:p>
+        </p:txBody>
+      </p:sp>
+      <p:sp>
+        <p:nvSpPr>
+          <p:cNvPr id="3" name="Espaço Reservado para Conteúdo 2"/>
+          <p:cNvSpPr>
+            <a:spLocks noGrp="1"/>
+          </p:cNvSpPr>
+          <p:nvPr>
+            <p:ph idx="1"/>
+          </p:nvPr>
+        </p:nvSpPr>
+        <p:spPr>
+          <a:xfrm>
+            <a:off x="677545" y="2160905"/>
+            <a:ext cx="8596630" cy="2694305"/>
+          </a:xfrm>
+        </p:spPr>
+        <p:txBody>
           <a:bodyPr>
-            <a:normAutofit fontScale="90000"/>
+            <a:normAutofit/>
           </a:bodyPr>
           <a:lstStyle/>
           <a:p>
+            <a:pPr algn="just"/>
             <a:r>
               <a:rPr lang="pt-BR" dirty="0"/>
-              <a:t>Principais conceitos de OO (classes, herança, polimorfismo, encapsulamento)</a:t>
-            </a:r>
-          </a:p>
-        </p:txBody>
-      </p:sp>
-      <p:sp>
-        <p:nvSpPr>
-          <p:cNvPr id="3" name="Espaço Reservado para Conteúdo 2">
-            <a:extLst>
-              <a:ext uri="{FF2B5EF4-FFF2-40B4-BE49-F238E27FC236}">
-                <a16:creationId xmlns:a16="http://schemas.microsoft.com/office/drawing/2014/main" id="{82A94660-72F0-49A8-9C92-74C7E65A93C3}"/>
-              </a:ext>
-            </a:extLst>
-          </p:cNvPr>
-          <p:cNvSpPr>
-            <a:spLocks noGrp="1"/>
-          </p:cNvSpPr>
-          <p:nvPr>
-            <p:ph idx="1"/>
-          </p:nvPr>
-        </p:nvSpPr>
-        <p:spPr/>
-        <p:txBody>
-          <a:bodyPr/>
-          <a:lstStyle/>
-          <a:p>
+              <a:t>Os </a:t>
+            </a:r>
+            <a:r>
+              <a:rPr lang="pt-BR" dirty="0">
+                <a:hlinkClick r:id="rId3" tooltip="Ponto e vírgula"/>
+              </a:rPr>
+              <a:t>ponto-e-vírgulas</a:t>
+            </a:r>
             <a:r>
               <a:rPr lang="pt-BR" dirty="0"/>
-              <a:t>Encapsulamento: significa separar o programa em partes. A ideia é tornar o software mais flexível, fácil de modificar e de criar novas implementações. O Encapsulamento serve para controlar o acesso aos atributos e métodos de uma classe. </a:t>
-            </a:r>
-          </a:p>
-          <a:p>
-            <a:endParaRPr lang="pt-BR" dirty="0"/>
-          </a:p>
-          <a:p>
-            <a:endParaRPr lang="pt-BR" dirty="0"/>
-          </a:p>
-          <a:p>
+              <a:t> são opcionais como um terminador de instrução; na maioria dos casos, uma nova linha é suficiente para o compilador deduzir que a instrução terminou.</a:t>
+            </a:r>
+          </a:p>
+          <a:p>
+            <a:pPr algn="just"/>
             <a:r>
               <a:rPr lang="pt-BR" dirty="0"/>
-              <a:t>Polimorfismo: permite ao desenvolvedor usar o mesmo elemento de formas diferentes. Polimorfismo mostra uma situação na qual um objeto pode se comportar de maneiras diferentes ao receber uma mensagem. </a:t>
-            </a:r>
+              <a:t>Variáveis ​​no </a:t>
+            </a:r>
+            <a:r>
+              <a:rPr lang="pt-BR" dirty="0" err="1"/>
+              <a:t>Kotlin</a:t>
+            </a:r>
+            <a:r>
+              <a:rPr lang="pt-BR" dirty="0"/>
+              <a:t> podem ser imutáveis, declaradas com a </a:t>
+            </a:r>
+            <a:r>
+              <a:rPr lang="pt-BR" dirty="0">
+                <a:hlinkClick r:id="rId4" tooltip="Palavra reservada"/>
+              </a:rPr>
+              <a:t>palavra-chave</a:t>
+            </a:r>
+            <a:r>
+              <a:rPr lang="pt-BR" dirty="0"/>
+              <a:t> </a:t>
+            </a:r>
+            <a:r>
+              <a:rPr lang="pt-BR" i="1" dirty="0" err="1"/>
+              <a:t>val</a:t>
+            </a:r>
+            <a:r>
+              <a:rPr lang="pt-BR" dirty="0"/>
+              <a:t>, ou mutáveis, declaradas com a palavra-chave </a:t>
+            </a:r>
+            <a:r>
+              <a:rPr lang="pt-BR" i="1" dirty="0"/>
+              <a:t>var</a:t>
+            </a:r>
+            <a:r>
+              <a:rPr lang="pt-BR" dirty="0"/>
+              <a:t>.</a:t>
+            </a:r>
+          </a:p>
+          <a:p>
+            <a:pPr marL="0" indent="0" algn="just">
+              <a:buNone/>
+            </a:pPr>
+            <a:br>
+              <a:rPr lang="pt-BR" dirty="0"/>
+            </a:br>
+            <a:br>
+              <a:rPr lang="pt-BR" dirty="0"/>
+            </a:br>
+            <a:endParaRPr lang="" altLang="pt-BR" dirty="0"/>
+          </a:p>
+          <a:p>
+            <a:pPr marL="0" indent="0" algn="just">
+              <a:buNone/>
+            </a:pPr>
+            <a:endParaRPr lang="" altLang="pt-BR" dirty="0"/>
+          </a:p>
+          <a:p>
+            <a:pPr marL="0" indent="0" algn="just">
+              <a:buNone/>
+            </a:pPr>
+            <a:endParaRPr lang="" altLang="pt-BR" dirty="0"/>
+          </a:p>
+          <a:p>
+            <a:pPr marL="0" indent="0" algn="just">
+              <a:buNone/>
+            </a:pPr>
+            <a:endParaRPr lang="" altLang="pt-BR" dirty="0"/>
+          </a:p>
+          <a:p>
+            <a:pPr marL="0" indent="0" algn="just">
+              <a:buNone/>
+            </a:pPr>
+            <a:endParaRPr lang="" altLang="pt-BR" dirty="0"/>
+          </a:p>
+        </p:txBody>
+      </p:sp>
+      <p:sp>
+        <p:nvSpPr>
+          <p:cNvPr id="4" name="Text Box 3"/>
+          <p:cNvSpPr txBox="1"/>
+          <p:nvPr/>
+        </p:nvSpPr>
+        <p:spPr>
+          <a:xfrm>
+            <a:off x="575945" y="4437380"/>
+            <a:ext cx="3575050" cy="1476375"/>
+          </a:xfrm>
+          <a:prstGeom prst="rect">
+            <a:avLst/>
+          </a:prstGeom>
+          <a:noFill/>
+        </p:spPr>
+        <p:txBody>
+          <a:bodyPr wrap="none" rtlCol="0">
+            <a:spAutoFit/>
+          </a:bodyPr>
+          <a:lstStyle/>
+          <a:p>
+            <a:pPr marL="0" indent="0" algn="l">
+              <a:buNone/>
+            </a:pPr>
+            <a:r>
+              <a:rPr lang="en-US" altLang="pt-BR" dirty="0">
+                <a:solidFill>
+                  <a:schemeClr val="tx1">
+                    <a:lumMod val="75000"/>
+                    <a:lumOff val="25000"/>
+                  </a:schemeClr>
+                </a:solidFill>
+                <a:sym typeface="+mn-ea"/>
+              </a:rPr>
+              <a:t>	val nome: String = "Zé"     </a:t>
+            </a:r>
+            <a:endParaRPr lang="en-US" altLang="pt-BR" dirty="0">
+              <a:solidFill>
+                <a:schemeClr val="tx1">
+                  <a:lumMod val="75000"/>
+                  <a:lumOff val="25000"/>
+                </a:schemeClr>
+              </a:solidFill>
+            </a:endParaRPr>
+          </a:p>
+          <a:p>
+            <a:pPr marL="0" indent="0" algn="l">
+              <a:buNone/>
+            </a:pPr>
+            <a:r>
+              <a:rPr lang="en-US" altLang="pt-BR" dirty="0">
+                <a:solidFill>
+                  <a:schemeClr val="tx1">
+                    <a:lumMod val="75000"/>
+                    <a:lumOff val="25000"/>
+                  </a:schemeClr>
+                </a:solidFill>
+                <a:sym typeface="+mn-ea"/>
+              </a:rPr>
+              <a:t>	nome = "Maria"</a:t>
+            </a:r>
+            <a:endParaRPr lang="en-US" altLang="pt-BR" dirty="0">
+              <a:solidFill>
+                <a:schemeClr val="tx1">
+                  <a:lumMod val="75000"/>
+                  <a:lumOff val="25000"/>
+                </a:schemeClr>
+              </a:solidFill>
+            </a:endParaRPr>
+          </a:p>
+          <a:p>
+            <a:pPr marL="0" indent="0" algn="l">
+              <a:buNone/>
+            </a:pPr>
+            <a:r>
+              <a:rPr lang="en-US" altLang="pt-BR" dirty="0">
+                <a:solidFill>
+                  <a:schemeClr val="tx1">
+                    <a:lumMod val="75000"/>
+                    <a:lumOff val="25000"/>
+                  </a:schemeClr>
+                </a:solidFill>
+                <a:sym typeface="+mn-ea"/>
+              </a:rPr>
+              <a:t>	println(“nome: $nome”)</a:t>
+            </a:r>
+            <a:endParaRPr lang="en-US" altLang="pt-BR" dirty="0">
+              <a:solidFill>
+                <a:schemeClr val="tx1">
+                  <a:lumMod val="75000"/>
+                  <a:lumOff val="25000"/>
+                </a:schemeClr>
+              </a:solidFill>
+            </a:endParaRPr>
+          </a:p>
+          <a:p>
+            <a:pPr marL="0" indent="0" algn="l">
+              <a:buNone/>
+            </a:pPr>
+            <a:r>
+              <a:rPr lang="en-US" altLang="pt-BR" dirty="0">
+                <a:solidFill>
+                  <a:schemeClr val="tx1">
+                    <a:lumMod val="75000"/>
+                    <a:lumOff val="25000"/>
+                  </a:schemeClr>
+                </a:solidFill>
+                <a:sym typeface="+mn-ea"/>
+              </a:rPr>
+              <a:t>	// Val cannot be reassigned</a:t>
+            </a:r>
+            <a:endParaRPr lang="en-US" altLang="pt-BR" dirty="0">
+              <a:solidFill>
+                <a:schemeClr val="tx1">
+                  <a:lumMod val="75000"/>
+                  <a:lumOff val="25000"/>
+                </a:schemeClr>
+              </a:solidFill>
+            </a:endParaRPr>
+          </a:p>
+          <a:p>
+            <a:pPr marL="0" indent="0" algn="l">
+              <a:buNone/>
+            </a:pPr>
+            <a:endParaRPr lang="en-US" altLang="pt-BR" dirty="0">
+              <a:solidFill>
+                <a:schemeClr val="tx1">
+                  <a:lumMod val="75000"/>
+                  <a:lumOff val="25000"/>
+                </a:schemeClr>
+              </a:solidFill>
+            </a:endParaRPr>
+          </a:p>
+        </p:txBody>
+      </p:sp>
+      <p:sp>
+        <p:nvSpPr>
+          <p:cNvPr id="5" name="Text Box 4"/>
+          <p:cNvSpPr txBox="1"/>
+          <p:nvPr/>
+        </p:nvSpPr>
+        <p:spPr>
+          <a:xfrm>
+            <a:off x="5661660" y="4437380"/>
+            <a:ext cx="3125470" cy="1476375"/>
+          </a:xfrm>
+          <a:prstGeom prst="rect">
+            <a:avLst/>
+          </a:prstGeom>
+          <a:noFill/>
+        </p:spPr>
+        <p:txBody>
+          <a:bodyPr wrap="none" rtlCol="0">
+            <a:spAutoFit/>
+          </a:bodyPr>
+          <a:lstStyle/>
+          <a:p>
+            <a:pPr marL="0" indent="0" algn="l">
+              <a:buNone/>
+            </a:pPr>
+            <a:r>
+              <a:rPr lang="en-US" altLang="pt-BR" dirty="0">
+                <a:solidFill>
+                  <a:schemeClr val="tx1">
+                    <a:lumMod val="75000"/>
+                    <a:lumOff val="25000"/>
+                  </a:schemeClr>
+                </a:solidFill>
+                <a:sym typeface="+mn-ea"/>
+              </a:rPr>
+              <a:t>	var idade: Int = 30</a:t>
+            </a:r>
+            <a:endParaRPr lang="en-US" altLang="pt-BR" dirty="0">
+              <a:solidFill>
+                <a:schemeClr val="tx1">
+                  <a:lumMod val="75000"/>
+                  <a:lumOff val="25000"/>
+                </a:schemeClr>
+              </a:solidFill>
+            </a:endParaRPr>
+          </a:p>
+          <a:p>
+            <a:pPr marL="0" indent="0" algn="l">
+              <a:buNone/>
+            </a:pPr>
+            <a:r>
+              <a:rPr lang="en-US" altLang="pt-BR" dirty="0">
+                <a:solidFill>
+                  <a:schemeClr val="tx1">
+                    <a:lumMod val="75000"/>
+                    <a:lumOff val="25000"/>
+                  </a:schemeClr>
+                </a:solidFill>
+                <a:sym typeface="+mn-ea"/>
+              </a:rPr>
+              <a:t>	idade = 40</a:t>
+            </a:r>
+            <a:endParaRPr lang="en-US" altLang="pt-BR" dirty="0">
+              <a:solidFill>
+                <a:schemeClr val="tx1">
+                  <a:lumMod val="75000"/>
+                  <a:lumOff val="25000"/>
+                </a:schemeClr>
+              </a:solidFill>
+            </a:endParaRPr>
+          </a:p>
+          <a:p>
+            <a:pPr marL="0" indent="0" algn="l">
+              <a:buNone/>
+            </a:pPr>
+            <a:r>
+              <a:rPr lang="en-US" altLang="pt-BR" dirty="0">
+                <a:solidFill>
+                  <a:schemeClr val="tx1">
+                    <a:lumMod val="75000"/>
+                    <a:lumOff val="25000"/>
+                  </a:schemeClr>
+                </a:solidFill>
+                <a:sym typeface="+mn-ea"/>
+              </a:rPr>
+              <a:t>	println("idade: $idade")</a:t>
+            </a:r>
+            <a:endParaRPr lang="en-US" altLang="pt-BR" dirty="0">
+              <a:solidFill>
+                <a:schemeClr val="tx1">
+                  <a:lumMod val="75000"/>
+                  <a:lumOff val="25000"/>
+                </a:schemeClr>
+              </a:solidFill>
+            </a:endParaRPr>
+          </a:p>
+          <a:p>
+            <a:pPr marL="0" indent="0" algn="l">
+              <a:buNone/>
+            </a:pPr>
+            <a:r>
+              <a:rPr lang="en-US" altLang="pt-BR" dirty="0">
+                <a:solidFill>
+                  <a:schemeClr val="tx1">
+                    <a:lumMod val="75000"/>
+                    <a:lumOff val="25000"/>
+                  </a:schemeClr>
+                </a:solidFill>
+                <a:sym typeface="+mn-ea"/>
+              </a:rPr>
+              <a:t>	// idade: 40</a:t>
+            </a:r>
+            <a:endParaRPr lang="en-US">
+              <a:solidFill>
+                <a:schemeClr val="tx1">
+                  <a:lumMod val="75000"/>
+                  <a:lumOff val="25000"/>
+                </a:schemeClr>
+              </a:solidFill>
+            </a:endParaRPr>
+          </a:p>
+          <a:p>
+            <a:endParaRPr lang="en-US">
+              <a:solidFill>
+                <a:schemeClr val="tx1">
+                  <a:lumMod val="75000"/>
+                  <a:lumOff val="25000"/>
+                </a:schemeClr>
+              </a:solidFill>
+            </a:endParaRPr>
           </a:p>
         </p:txBody>
       </p:sp>
     </p:spTree>
-    <p:extLst>
-      <p:ext uri="{BB962C8B-B14F-4D97-AF65-F5344CB8AC3E}">
-        <p14:creationId xmlns:p14="http://schemas.microsoft.com/office/powerpoint/2010/main" val="3570856788"/>
-      </p:ext>
-    </p:extLst>
   </p:cSld>
   <p:clrMapOvr>
     <a:masterClrMapping/>
@@ -8697,7 +9202,7 @@
     </a:clrScheme>
     <a:fontScheme name="Facetado">
       <a:majorFont>
-        <a:latin typeface="Trebuchet MS" panose="020B0603020202020204"/>
+        <a:latin typeface="Trebuchet MS"/>
         <a:ea typeface=""/>
         <a:cs typeface=""/>
         <a:font script="Jpan" typeface="メイリオ"/>
@@ -8732,7 +9237,7 @@
         <a:font script="Geor" typeface="Sylfaen"/>
       </a:majorFont>
       <a:minorFont>
-        <a:latin typeface="Trebuchet MS" panose="020B0603020202020204"/>
+        <a:latin typeface="Trebuchet MS"/>
         <a:ea typeface=""/>
         <a:cs typeface=""/>
         <a:font script="Jpan" typeface="メイリオ"/>
@@ -8905,7 +9410,7 @@
   <a:extraClrSchemeLst/>
   <a:extLst>
     <a:ext uri="{05A4C25C-085E-4340-85A3-A5531E510DB2}">
-      <thm15:themeFamily xmlns:thm15="http://schemas.microsoft.com/office/thememl/2012/main" name="Facet" id="{C0C680CD-088A-49FC-A102-D699147F32B2}" vid="{CFBC31BA-B70F-4F30-BCAA-4F3011E16C4D}"/>
+      <thm15:themeFamily xmlns:thm15="http://schemas.microsoft.com/office/thememl/2012/main" name="Office Theme" id="{62F939B6-93AF-4DB8-9C6B-D6C7DFDC589F}" vid="{4A3C46E8-61CC-4603-A589-7422A47A8E4A}"/>
     </a:ext>
   </a:extLst>
 </a:theme>
@@ -8954,7 +9459,7 @@
     </a:clrScheme>
     <a:fontScheme name="Office">
       <a:majorFont>
-        <a:latin typeface="Calibri Light" panose="020F0302020204030204"/>
+        <a:latin typeface="Calibri Light"/>
         <a:ea typeface=""/>
         <a:cs typeface=""/>
         <a:font script="Jpan" typeface="游ゴシック Light"/>
@@ -8987,26 +9492,9 @@
         <a:font script="Viet" typeface="Times New Roman"/>
         <a:font script="Uigh" typeface="Microsoft Uighur"/>
         <a:font script="Geor" typeface="Sylfaen"/>
-        <a:font script="Armn" typeface="Arial"/>
-        <a:font script="Bugi" typeface="Leelawadee UI"/>
-        <a:font script="Bopo" typeface="Microsoft JhengHei"/>
-        <a:font script="Java" typeface="Javanese Text"/>
-        <a:font script="Lisu" typeface="Segoe UI"/>
-        <a:font script="Mymr" typeface="Myanmar Text"/>
-        <a:font script="Nkoo" typeface="Ebrima"/>
-        <a:font script="Olck" typeface="Nirmala UI"/>
-        <a:font script="Osma" typeface="Ebrima"/>
-        <a:font script="Phag" typeface="Phagspa"/>
-        <a:font script="Syrn" typeface="Estrangelo Edessa"/>
-        <a:font script="Syrj" typeface="Estrangelo Edessa"/>
-        <a:font script="Syre" typeface="Estrangelo Edessa"/>
-        <a:font script="Sora" typeface="Nirmala UI"/>
-        <a:font script="Tale" typeface="Microsoft Tai Le"/>
-        <a:font script="Talu" typeface="Microsoft New Tai Lue"/>
-        <a:font script="Tfng" typeface="Ebrima"/>
       </a:majorFont>
       <a:minorFont>
-        <a:latin typeface="Calibri" panose="020F0502020204030204"/>
+        <a:latin typeface="Calibri"/>
         <a:ea typeface=""/>
         <a:cs typeface=""/>
         <a:font script="Jpan" typeface="游ゴシック"/>
@@ -9039,23 +9527,6 @@
         <a:font script="Viet" typeface="Arial"/>
         <a:font script="Uigh" typeface="Microsoft Uighur"/>
         <a:font script="Geor" typeface="Sylfaen"/>
-        <a:font script="Armn" typeface="Arial"/>
-        <a:font script="Bugi" typeface="Leelawadee UI"/>
-        <a:font script="Bopo" typeface="Microsoft JhengHei"/>
-        <a:font script="Java" typeface="Javanese Text"/>
-        <a:font script="Lisu" typeface="Segoe UI"/>
-        <a:font script="Mymr" typeface="Myanmar Text"/>
-        <a:font script="Nkoo" typeface="Ebrima"/>
-        <a:font script="Olck" typeface="Nirmala UI"/>
-        <a:font script="Osma" typeface="Ebrima"/>
-        <a:font script="Phag" typeface="Phagspa"/>
-        <a:font script="Syrn" typeface="Estrangelo Edessa"/>
-        <a:font script="Syrj" typeface="Estrangelo Edessa"/>
-        <a:font script="Syre" typeface="Estrangelo Edessa"/>
-        <a:font script="Sora" typeface="Nirmala UI"/>
-        <a:font script="Tale" typeface="Microsoft Tai Le"/>
-        <a:font script="Talu" typeface="Microsoft New Tai Lue"/>
-        <a:font script="Tfng" typeface="Ebrima"/>
       </a:minorFont>
     </a:fontScheme>
     <a:fmtScheme name="Office">
